--- a/17.Test Design Techniques 1/BoundaryValueAnalysis.pptx
+++ b/17.Test Design Techniques 1/BoundaryValueAnalysis.pptx
@@ -5,7 +5,7 @@
     <p:sldMasterId id="2147483660" r:id="rId1"/>
   </p:sldMasterIdLst>
   <p:notesMasterIdLst>
-    <p:notesMasterId r:id="rId49"/>
+    <p:notesMasterId r:id="rId46"/>
   </p:notesMasterIdLst>
   <p:sldIdLst>
     <p:sldId id="258" r:id="rId2"/>
@@ -20,41 +20,38 @@
     <p:sldId id="266" r:id="rId11"/>
     <p:sldId id="267" r:id="rId12"/>
     <p:sldId id="270" r:id="rId13"/>
-    <p:sldId id="269" r:id="rId14"/>
-    <p:sldId id="271" r:id="rId15"/>
-    <p:sldId id="272" r:id="rId16"/>
-    <p:sldId id="275" r:id="rId17"/>
-    <p:sldId id="276" r:id="rId18"/>
-    <p:sldId id="277" r:id="rId19"/>
-    <p:sldId id="278" r:id="rId20"/>
-    <p:sldId id="279" r:id="rId21"/>
-    <p:sldId id="280" r:id="rId22"/>
-    <p:sldId id="281" r:id="rId23"/>
-    <p:sldId id="282" r:id="rId24"/>
-    <p:sldId id="283" r:id="rId25"/>
-    <p:sldId id="284" r:id="rId26"/>
-    <p:sldId id="286" r:id="rId27"/>
-    <p:sldId id="287" r:id="rId28"/>
-    <p:sldId id="288" r:id="rId29"/>
-    <p:sldId id="289" r:id="rId30"/>
-    <p:sldId id="290" r:id="rId31"/>
-    <p:sldId id="291" r:id="rId32"/>
-    <p:sldId id="292" r:id="rId33"/>
-    <p:sldId id="293" r:id="rId34"/>
-    <p:sldId id="294" r:id="rId35"/>
-    <p:sldId id="295" r:id="rId36"/>
-    <p:sldId id="296" r:id="rId37"/>
-    <p:sldId id="297" r:id="rId38"/>
-    <p:sldId id="298" r:id="rId39"/>
-    <p:sldId id="299" r:id="rId40"/>
-    <p:sldId id="300" r:id="rId41"/>
-    <p:sldId id="301" r:id="rId42"/>
-    <p:sldId id="302" r:id="rId43"/>
-    <p:sldId id="303" r:id="rId44"/>
-    <p:sldId id="304" r:id="rId45"/>
-    <p:sldId id="305" r:id="rId46"/>
-    <p:sldId id="306" r:id="rId47"/>
-    <p:sldId id="307" r:id="rId48"/>
+    <p:sldId id="271" r:id="rId14"/>
+    <p:sldId id="272" r:id="rId15"/>
+    <p:sldId id="275" r:id="rId16"/>
+    <p:sldId id="276" r:id="rId17"/>
+    <p:sldId id="277" r:id="rId18"/>
+    <p:sldId id="278" r:id="rId19"/>
+    <p:sldId id="279" r:id="rId20"/>
+    <p:sldId id="280" r:id="rId21"/>
+    <p:sldId id="281" r:id="rId22"/>
+    <p:sldId id="282" r:id="rId23"/>
+    <p:sldId id="286" r:id="rId24"/>
+    <p:sldId id="287" r:id="rId25"/>
+    <p:sldId id="288" r:id="rId26"/>
+    <p:sldId id="289" r:id="rId27"/>
+    <p:sldId id="290" r:id="rId28"/>
+    <p:sldId id="291" r:id="rId29"/>
+    <p:sldId id="292" r:id="rId30"/>
+    <p:sldId id="293" r:id="rId31"/>
+    <p:sldId id="294" r:id="rId32"/>
+    <p:sldId id="295" r:id="rId33"/>
+    <p:sldId id="296" r:id="rId34"/>
+    <p:sldId id="297" r:id="rId35"/>
+    <p:sldId id="298" r:id="rId36"/>
+    <p:sldId id="299" r:id="rId37"/>
+    <p:sldId id="300" r:id="rId38"/>
+    <p:sldId id="301" r:id="rId39"/>
+    <p:sldId id="302" r:id="rId40"/>
+    <p:sldId id="303" r:id="rId41"/>
+    <p:sldId id="304" r:id="rId42"/>
+    <p:sldId id="305" r:id="rId43"/>
+    <p:sldId id="306" r:id="rId44"/>
+    <p:sldId id="307" r:id="rId45"/>
   </p:sldIdLst>
   <p:sldSz cx="9144000" cy="6858000" type="screen4x3"/>
   <p:notesSz cx="6858000" cy="9144000"/>
@@ -854,7 +851,7 @@
     </p:spTree>
     <p:extLst>
       <p:ext uri="{BB962C8B-B14F-4D97-AF65-F5344CB8AC3E}">
-        <p14:creationId xmlns:p14="http://schemas.microsoft.com/office/powerpoint/2010/main" val="1070403462"/>
+        <p14:creationId xmlns:p14="http://schemas.microsoft.com/office/powerpoint/2010/main" val="3557472784"/>
       </p:ext>
     </p:extLst>
   </p:cSld>
@@ -939,7 +936,7 @@
     </p:spTree>
     <p:extLst>
       <p:ext uri="{BB962C8B-B14F-4D97-AF65-F5344CB8AC3E}">
-        <p14:creationId xmlns:p14="http://schemas.microsoft.com/office/powerpoint/2010/main" val="3557472784"/>
+        <p14:creationId xmlns:p14="http://schemas.microsoft.com/office/powerpoint/2010/main" val="3062784608"/>
       </p:ext>
     </p:extLst>
   </p:cSld>
@@ -1024,7 +1021,7 @@
     </p:spTree>
     <p:extLst>
       <p:ext uri="{BB962C8B-B14F-4D97-AF65-F5344CB8AC3E}">
-        <p14:creationId xmlns:p14="http://schemas.microsoft.com/office/powerpoint/2010/main" val="3062784608"/>
+        <p14:creationId xmlns:p14="http://schemas.microsoft.com/office/powerpoint/2010/main" val="2994131849"/>
       </p:ext>
     </p:extLst>
   </p:cSld>
@@ -1109,7 +1106,7 @@
     </p:spTree>
     <p:extLst>
       <p:ext uri="{BB962C8B-B14F-4D97-AF65-F5344CB8AC3E}">
-        <p14:creationId xmlns:p14="http://schemas.microsoft.com/office/powerpoint/2010/main" val="2994131849"/>
+        <p14:creationId xmlns:p14="http://schemas.microsoft.com/office/powerpoint/2010/main" val="315307583"/>
       </p:ext>
     </p:extLst>
   </p:cSld>
@@ -1182,19 +1179,19 @@
           <a:bodyPr/>
           <a:lstStyle/>
           <a:p>
-            <a:fld id="{2ED4FFF3-B8EA-469B-B100-F4FC31175376}" type="slidenum">
-              <a:rPr lang="bg-BG" smtClean="0"/>
+            <a:fld id="{6FB4F6EA-423E-42DF-9292-215E7D886C4E}" type="slidenum">
+              <a:rPr lang="en-US" smtClean="0"/>
               <a:pPr/>
               <a:t>17</a:t>
             </a:fld>
-            <a:endParaRPr lang="bg-BG"/>
+            <a:endParaRPr lang="en-US" dirty="0"/>
           </a:p>
         </p:txBody>
       </p:sp>
     </p:spTree>
     <p:extLst>
       <p:ext uri="{BB962C8B-B14F-4D97-AF65-F5344CB8AC3E}">
-        <p14:creationId xmlns:p14="http://schemas.microsoft.com/office/powerpoint/2010/main" val="315307583"/>
+        <p14:creationId xmlns:p14="http://schemas.microsoft.com/office/powerpoint/2010/main" val="274381931"/>
       </p:ext>
     </p:extLst>
   </p:cSld>
@@ -1267,19 +1264,19 @@
           <a:bodyPr/>
           <a:lstStyle/>
           <a:p>
-            <a:fld id="{6FB4F6EA-423E-42DF-9292-215E7D886C4E}" type="slidenum">
-              <a:rPr lang="en-US" smtClean="0"/>
+            <a:fld id="{2ED4FFF3-B8EA-469B-B100-F4FC31175376}" type="slidenum">
+              <a:rPr lang="bg-BG" smtClean="0"/>
               <a:pPr/>
               <a:t>18</a:t>
             </a:fld>
-            <a:endParaRPr lang="en-US" dirty="0"/>
+            <a:endParaRPr lang="bg-BG"/>
           </a:p>
         </p:txBody>
       </p:sp>
     </p:spTree>
     <p:extLst>
       <p:ext uri="{BB962C8B-B14F-4D97-AF65-F5344CB8AC3E}">
-        <p14:creationId xmlns:p14="http://schemas.microsoft.com/office/powerpoint/2010/main" val="274381931"/>
+        <p14:creationId xmlns:p14="http://schemas.microsoft.com/office/powerpoint/2010/main" val="3520675250"/>
       </p:ext>
     </p:extLst>
   </p:cSld>
@@ -1364,7 +1361,7 @@
     </p:spTree>
     <p:extLst>
       <p:ext uri="{BB962C8B-B14F-4D97-AF65-F5344CB8AC3E}">
-        <p14:creationId xmlns:p14="http://schemas.microsoft.com/office/powerpoint/2010/main" val="3520675250"/>
+        <p14:creationId xmlns:p14="http://schemas.microsoft.com/office/powerpoint/2010/main" val="56581560"/>
       </p:ext>
     </p:extLst>
   </p:cSld>
@@ -1449,7 +1446,7 @@
     </p:spTree>
     <p:extLst>
       <p:ext uri="{BB962C8B-B14F-4D97-AF65-F5344CB8AC3E}">
-        <p14:creationId xmlns:p14="http://schemas.microsoft.com/office/powerpoint/2010/main" val="56581560"/>
+        <p14:creationId xmlns:p14="http://schemas.microsoft.com/office/powerpoint/2010/main" val="2024706470"/>
       </p:ext>
     </p:extLst>
   </p:cSld>
@@ -1619,7 +1616,7 @@
     </p:spTree>
     <p:extLst>
       <p:ext uri="{BB962C8B-B14F-4D97-AF65-F5344CB8AC3E}">
-        <p14:creationId xmlns:p14="http://schemas.microsoft.com/office/powerpoint/2010/main" val="2024706470"/>
+        <p14:creationId xmlns:p14="http://schemas.microsoft.com/office/powerpoint/2010/main" val="25834113"/>
       </p:ext>
     </p:extLst>
   </p:cSld>
@@ -1704,7 +1701,7 @@
     </p:spTree>
     <p:extLst>
       <p:ext uri="{BB962C8B-B14F-4D97-AF65-F5344CB8AC3E}">
-        <p14:creationId xmlns:p14="http://schemas.microsoft.com/office/powerpoint/2010/main" val="25834113"/>
+        <p14:creationId xmlns:p14="http://schemas.microsoft.com/office/powerpoint/2010/main" val="3195168941"/>
       </p:ext>
     </p:extLst>
   </p:cSld>
@@ -1789,7 +1786,7 @@
     </p:spTree>
     <p:extLst>
       <p:ext uri="{BB962C8B-B14F-4D97-AF65-F5344CB8AC3E}">
-        <p14:creationId xmlns:p14="http://schemas.microsoft.com/office/powerpoint/2010/main" val="3195168941"/>
+        <p14:creationId xmlns:p14="http://schemas.microsoft.com/office/powerpoint/2010/main" val="1724662279"/>
       </p:ext>
     </p:extLst>
   </p:cSld>
@@ -1840,7 +1837,9 @@
         </p:nvSpPr>
         <p:spPr/>
         <p:txBody>
-          <a:bodyPr/>
+          <a:bodyPr>
+            <a:normAutofit/>
+          </a:bodyPr>
           <a:lstStyle/>
           <a:p>
             <a:endParaRPr lang="en-US" dirty="0"/>
@@ -1874,7 +1873,7 @@
     </p:spTree>
     <p:extLst>
       <p:ext uri="{BB962C8B-B14F-4D97-AF65-F5344CB8AC3E}">
-        <p14:creationId xmlns:p14="http://schemas.microsoft.com/office/powerpoint/2010/main" val="2590243777"/>
+        <p14:creationId xmlns:p14="http://schemas.microsoft.com/office/powerpoint/2010/main" val="2500355495"/>
       </p:ext>
     </p:extLst>
   </p:cSld>
@@ -1959,7 +1958,7 @@
     </p:spTree>
     <p:extLst>
       <p:ext uri="{BB962C8B-B14F-4D97-AF65-F5344CB8AC3E}">
-        <p14:creationId xmlns:p14="http://schemas.microsoft.com/office/powerpoint/2010/main" val="2645416215"/>
+        <p14:creationId xmlns:p14="http://schemas.microsoft.com/office/powerpoint/2010/main" val="13272399"/>
       </p:ext>
     </p:extLst>
   </p:cSld>
@@ -2044,7 +2043,7 @@
     </p:spTree>
     <p:extLst>
       <p:ext uri="{BB962C8B-B14F-4D97-AF65-F5344CB8AC3E}">
-        <p14:creationId xmlns:p14="http://schemas.microsoft.com/office/powerpoint/2010/main" val="1724662279"/>
+        <p14:creationId xmlns:p14="http://schemas.microsoft.com/office/powerpoint/2010/main" val="2256015298"/>
       </p:ext>
     </p:extLst>
   </p:cSld>
@@ -2095,9 +2094,7 @@
         </p:nvSpPr>
         <p:spPr/>
         <p:txBody>
-          <a:bodyPr>
-            <a:normAutofit/>
-          </a:bodyPr>
+          <a:bodyPr/>
           <a:lstStyle/>
           <a:p>
             <a:endParaRPr lang="en-US" dirty="0"/>
@@ -2131,7 +2128,7 @@
     </p:spTree>
     <p:extLst>
       <p:ext uri="{BB962C8B-B14F-4D97-AF65-F5344CB8AC3E}">
-        <p14:creationId xmlns:p14="http://schemas.microsoft.com/office/powerpoint/2010/main" val="2500355495"/>
+        <p14:creationId xmlns:p14="http://schemas.microsoft.com/office/powerpoint/2010/main" val="2317722976"/>
       </p:ext>
     </p:extLst>
   </p:cSld>
@@ -2216,7 +2213,7 @@
     </p:spTree>
     <p:extLst>
       <p:ext uri="{BB962C8B-B14F-4D97-AF65-F5344CB8AC3E}">
-        <p14:creationId xmlns:p14="http://schemas.microsoft.com/office/powerpoint/2010/main" val="13272399"/>
+        <p14:creationId xmlns:p14="http://schemas.microsoft.com/office/powerpoint/2010/main" val="2583747827"/>
       </p:ext>
     </p:extLst>
   </p:cSld>
@@ -2301,7 +2298,7 @@
     </p:spTree>
     <p:extLst>
       <p:ext uri="{BB962C8B-B14F-4D97-AF65-F5344CB8AC3E}">
-        <p14:creationId xmlns:p14="http://schemas.microsoft.com/office/powerpoint/2010/main" val="2256015298"/>
+        <p14:creationId xmlns:p14="http://schemas.microsoft.com/office/powerpoint/2010/main" val="1837003486"/>
       </p:ext>
     </p:extLst>
   </p:cSld>
@@ -2386,7 +2383,7 @@
     </p:spTree>
     <p:extLst>
       <p:ext uri="{BB962C8B-B14F-4D97-AF65-F5344CB8AC3E}">
-        <p14:creationId xmlns:p14="http://schemas.microsoft.com/office/powerpoint/2010/main" val="2317722976"/>
+        <p14:creationId xmlns:p14="http://schemas.microsoft.com/office/powerpoint/2010/main" val="731944576"/>
       </p:ext>
     </p:extLst>
   </p:cSld>
@@ -2556,7 +2553,7 @@
     </p:spTree>
     <p:extLst>
       <p:ext uri="{BB962C8B-B14F-4D97-AF65-F5344CB8AC3E}">
-        <p14:creationId xmlns:p14="http://schemas.microsoft.com/office/powerpoint/2010/main" val="2583747827"/>
+        <p14:creationId xmlns:p14="http://schemas.microsoft.com/office/powerpoint/2010/main" val="3577323963"/>
       </p:ext>
     </p:extLst>
   </p:cSld>
@@ -2633,261 +2630,6 @@
               <a:rPr lang="bg-BG" smtClean="0"/>
               <a:pPr/>
               <a:t>32</a:t>
-            </a:fld>
-            <a:endParaRPr lang="bg-BG"/>
-          </a:p>
-        </p:txBody>
-      </p:sp>
-    </p:spTree>
-    <p:extLst>
-      <p:ext uri="{BB962C8B-B14F-4D97-AF65-F5344CB8AC3E}">
-        <p14:creationId xmlns:p14="http://schemas.microsoft.com/office/powerpoint/2010/main" val="1837003486"/>
-      </p:ext>
-    </p:extLst>
-  </p:cSld>
-  <p:clrMapOvr>
-    <a:masterClrMapping/>
-  </p:clrMapOvr>
-</p:notes>
-</file>
-
-<file path=ppt/notesSlides/notesSlide32.xml><?xml version="1.0" encoding="utf-8"?>
-<p:notes xmlns:a="http://schemas.openxmlformats.org/drawingml/2006/main" xmlns:r="http://schemas.openxmlformats.org/officeDocument/2006/relationships" xmlns:p="http://schemas.openxmlformats.org/presentationml/2006/main">
-  <p:cSld>
-    <p:spTree>
-      <p:nvGrpSpPr>
-        <p:cNvPr id="1" name=""/>
-        <p:cNvGrpSpPr/>
-        <p:nvPr/>
-      </p:nvGrpSpPr>
-      <p:grpSpPr>
-        <a:xfrm>
-          <a:off x="0" y="0"/>
-          <a:ext cx="0" cy="0"/>
-          <a:chOff x="0" y="0"/>
-          <a:chExt cx="0" cy="0"/>
-        </a:xfrm>
-      </p:grpSpPr>
-      <p:sp>
-        <p:nvSpPr>
-          <p:cNvPr id="2" name="Slide Image Placeholder 1"/>
-          <p:cNvSpPr>
-            <a:spLocks noGrp="1" noRot="1" noChangeAspect="1"/>
-          </p:cNvSpPr>
-          <p:nvPr>
-            <p:ph type="sldImg"/>
-          </p:nvPr>
-        </p:nvSpPr>
-        <p:spPr/>
-      </p:sp>
-      <p:sp>
-        <p:nvSpPr>
-          <p:cNvPr id="3" name="Notes Placeholder 2"/>
-          <p:cNvSpPr>
-            <a:spLocks noGrp="1"/>
-          </p:cNvSpPr>
-          <p:nvPr>
-            <p:ph type="body" idx="1"/>
-          </p:nvPr>
-        </p:nvSpPr>
-        <p:spPr/>
-        <p:txBody>
-          <a:bodyPr/>
-          <a:lstStyle/>
-          <a:p>
-            <a:endParaRPr lang="en-US" dirty="0"/>
-          </a:p>
-        </p:txBody>
-      </p:sp>
-      <p:sp>
-        <p:nvSpPr>
-          <p:cNvPr id="4" name="Slide Number Placeholder 3"/>
-          <p:cNvSpPr>
-            <a:spLocks noGrp="1"/>
-          </p:cNvSpPr>
-          <p:nvPr>
-            <p:ph type="sldNum" sz="quarter" idx="10"/>
-          </p:nvPr>
-        </p:nvSpPr>
-        <p:spPr/>
-        <p:txBody>
-          <a:bodyPr/>
-          <a:lstStyle/>
-          <a:p>
-            <a:fld id="{2ED4FFF3-B8EA-469B-B100-F4FC31175376}" type="slidenum">
-              <a:rPr lang="bg-BG" smtClean="0"/>
-              <a:pPr/>
-              <a:t>33</a:t>
-            </a:fld>
-            <a:endParaRPr lang="bg-BG"/>
-          </a:p>
-        </p:txBody>
-      </p:sp>
-    </p:spTree>
-    <p:extLst>
-      <p:ext uri="{BB962C8B-B14F-4D97-AF65-F5344CB8AC3E}">
-        <p14:creationId xmlns:p14="http://schemas.microsoft.com/office/powerpoint/2010/main" val="731944576"/>
-      </p:ext>
-    </p:extLst>
-  </p:cSld>
-  <p:clrMapOvr>
-    <a:masterClrMapping/>
-  </p:clrMapOvr>
-</p:notes>
-</file>
-
-<file path=ppt/notesSlides/notesSlide33.xml><?xml version="1.0" encoding="utf-8"?>
-<p:notes xmlns:a="http://schemas.openxmlformats.org/drawingml/2006/main" xmlns:r="http://schemas.openxmlformats.org/officeDocument/2006/relationships" xmlns:p="http://schemas.openxmlformats.org/presentationml/2006/main">
-  <p:cSld>
-    <p:spTree>
-      <p:nvGrpSpPr>
-        <p:cNvPr id="1" name=""/>
-        <p:cNvGrpSpPr/>
-        <p:nvPr/>
-      </p:nvGrpSpPr>
-      <p:grpSpPr>
-        <a:xfrm>
-          <a:off x="0" y="0"/>
-          <a:ext cx="0" cy="0"/>
-          <a:chOff x="0" y="0"/>
-          <a:chExt cx="0" cy="0"/>
-        </a:xfrm>
-      </p:grpSpPr>
-      <p:sp>
-        <p:nvSpPr>
-          <p:cNvPr id="2" name="Slide Image Placeholder 1"/>
-          <p:cNvSpPr>
-            <a:spLocks noGrp="1" noRot="1" noChangeAspect="1"/>
-          </p:cNvSpPr>
-          <p:nvPr>
-            <p:ph type="sldImg"/>
-          </p:nvPr>
-        </p:nvSpPr>
-        <p:spPr/>
-      </p:sp>
-      <p:sp>
-        <p:nvSpPr>
-          <p:cNvPr id="3" name="Notes Placeholder 2"/>
-          <p:cNvSpPr>
-            <a:spLocks noGrp="1"/>
-          </p:cNvSpPr>
-          <p:nvPr>
-            <p:ph type="body" idx="1"/>
-          </p:nvPr>
-        </p:nvSpPr>
-        <p:spPr/>
-        <p:txBody>
-          <a:bodyPr/>
-          <a:lstStyle/>
-          <a:p>
-            <a:endParaRPr lang="en-US" dirty="0"/>
-          </a:p>
-        </p:txBody>
-      </p:sp>
-      <p:sp>
-        <p:nvSpPr>
-          <p:cNvPr id="4" name="Slide Number Placeholder 3"/>
-          <p:cNvSpPr>
-            <a:spLocks noGrp="1"/>
-          </p:cNvSpPr>
-          <p:nvPr>
-            <p:ph type="sldNum" sz="quarter" idx="10"/>
-          </p:nvPr>
-        </p:nvSpPr>
-        <p:spPr/>
-        <p:txBody>
-          <a:bodyPr/>
-          <a:lstStyle/>
-          <a:p>
-            <a:fld id="{2ED4FFF3-B8EA-469B-B100-F4FC31175376}" type="slidenum">
-              <a:rPr lang="bg-BG" smtClean="0"/>
-              <a:pPr/>
-              <a:t>34</a:t>
-            </a:fld>
-            <a:endParaRPr lang="bg-BG"/>
-          </a:p>
-        </p:txBody>
-      </p:sp>
-    </p:spTree>
-    <p:extLst>
-      <p:ext uri="{BB962C8B-B14F-4D97-AF65-F5344CB8AC3E}">
-        <p14:creationId xmlns:p14="http://schemas.microsoft.com/office/powerpoint/2010/main" val="3577323963"/>
-      </p:ext>
-    </p:extLst>
-  </p:cSld>
-  <p:clrMapOvr>
-    <a:masterClrMapping/>
-  </p:clrMapOvr>
-</p:notes>
-</file>
-
-<file path=ppt/notesSlides/notesSlide34.xml><?xml version="1.0" encoding="utf-8"?>
-<p:notes xmlns:a="http://schemas.openxmlformats.org/drawingml/2006/main" xmlns:r="http://schemas.openxmlformats.org/officeDocument/2006/relationships" xmlns:p="http://schemas.openxmlformats.org/presentationml/2006/main">
-  <p:cSld>
-    <p:spTree>
-      <p:nvGrpSpPr>
-        <p:cNvPr id="1" name=""/>
-        <p:cNvGrpSpPr/>
-        <p:nvPr/>
-      </p:nvGrpSpPr>
-      <p:grpSpPr>
-        <a:xfrm>
-          <a:off x="0" y="0"/>
-          <a:ext cx="0" cy="0"/>
-          <a:chOff x="0" y="0"/>
-          <a:chExt cx="0" cy="0"/>
-        </a:xfrm>
-      </p:grpSpPr>
-      <p:sp>
-        <p:nvSpPr>
-          <p:cNvPr id="2" name="Slide Image Placeholder 1"/>
-          <p:cNvSpPr>
-            <a:spLocks noGrp="1" noRot="1" noChangeAspect="1"/>
-          </p:cNvSpPr>
-          <p:nvPr>
-            <p:ph type="sldImg"/>
-          </p:nvPr>
-        </p:nvSpPr>
-        <p:spPr/>
-      </p:sp>
-      <p:sp>
-        <p:nvSpPr>
-          <p:cNvPr id="3" name="Notes Placeholder 2"/>
-          <p:cNvSpPr>
-            <a:spLocks noGrp="1"/>
-          </p:cNvSpPr>
-          <p:nvPr>
-            <p:ph type="body" idx="1"/>
-          </p:nvPr>
-        </p:nvSpPr>
-        <p:spPr/>
-        <p:txBody>
-          <a:bodyPr/>
-          <a:lstStyle/>
-          <a:p>
-            <a:endParaRPr lang="en-US" dirty="0"/>
-          </a:p>
-        </p:txBody>
-      </p:sp>
-      <p:sp>
-        <p:nvSpPr>
-          <p:cNvPr id="4" name="Slide Number Placeholder 3"/>
-          <p:cNvSpPr>
-            <a:spLocks noGrp="1"/>
-          </p:cNvSpPr>
-          <p:nvPr>
-            <p:ph type="sldNum" sz="quarter" idx="10"/>
-          </p:nvPr>
-        </p:nvSpPr>
-        <p:spPr/>
-        <p:txBody>
-          <a:bodyPr/>
-          <a:lstStyle/>
-          <a:p>
-            <a:fld id="{2ED4FFF3-B8EA-469B-B100-F4FC31175376}" type="slidenum">
-              <a:rPr lang="bg-BG" smtClean="0"/>
-              <a:pPr/>
-              <a:t>35</a:t>
             </a:fld>
             <a:endParaRPr lang="bg-BG"/>
           </a:p>
@@ -11558,223 +11300,6 @@
 </file>
 
 <file path=ppt/slides/slide13.xml><?xml version="1.0" encoding="utf-8"?>
-<p:sld xmlns:a="http://schemas.openxmlformats.org/drawingml/2006/main" xmlns:r="http://schemas.openxmlformats.org/officeDocument/2006/relationships" xmlns:p="http://schemas.openxmlformats.org/presentationml/2006/main" show="0">
-  <p:cSld>
-    <p:spTree>
-      <p:nvGrpSpPr>
-        <p:cNvPr id="1" name=""/>
-        <p:cNvGrpSpPr/>
-        <p:nvPr/>
-      </p:nvGrpSpPr>
-      <p:grpSpPr>
-        <a:xfrm>
-          <a:off x="0" y="0"/>
-          <a:ext cx="0" cy="0"/>
-          <a:chOff x="0" y="0"/>
-          <a:chExt cx="0" cy="0"/>
-        </a:xfrm>
-      </p:grpSpPr>
-      <p:sp>
-        <p:nvSpPr>
-          <p:cNvPr id="2" name="Title 1"/>
-          <p:cNvSpPr>
-            <a:spLocks noGrp="1"/>
-          </p:cNvSpPr>
-          <p:nvPr>
-            <p:ph type="title"/>
-          </p:nvPr>
-        </p:nvSpPr>
-        <p:spPr/>
-        <p:txBody>
-          <a:bodyPr/>
-          <a:lstStyle/>
-          <a:p>
-            <a:r>
-              <a:rPr lang="en-US" dirty="0" smtClean="0"/>
-              <a:t>Ordered Sets Only (1)</a:t>
-            </a:r>
-            <a:endParaRPr lang="en-US" dirty="0"/>
-          </a:p>
-        </p:txBody>
-      </p:sp>
-      <p:sp>
-        <p:nvSpPr>
-          <p:cNvPr id="3" name="Content Placeholder 2"/>
-          <p:cNvSpPr>
-            <a:spLocks noGrp="1"/>
-          </p:cNvSpPr>
-          <p:nvPr>
-            <p:ph idx="1"/>
-          </p:nvPr>
-        </p:nvSpPr>
-        <p:spPr/>
-        <p:txBody>
-          <a:bodyPr/>
-          <a:lstStyle/>
-          <a:p>
-            <a:pPr>
-              <a:lnSpc>
-                <a:spcPct val="100000"/>
-              </a:lnSpc>
-            </a:pPr>
-            <a:r>
-              <a:rPr lang="en-US" dirty="0" smtClean="0"/>
-              <a:t>Not all </a:t>
-            </a:r>
-            <a:r>
-              <a:rPr lang="bg-BG" dirty="0" smtClean="0"/>
-              <a:t>equivalence classes have boundary values</a:t>
-            </a:r>
-            <a:r>
-              <a:rPr lang="en-US" dirty="0" smtClean="0"/>
-              <a:t>!</a:t>
-            </a:r>
-          </a:p>
-          <a:p>
-            <a:pPr>
-              <a:lnSpc>
-                <a:spcPct val="100000"/>
-              </a:lnSpc>
-            </a:pPr>
-            <a:r>
-              <a:rPr lang="bg-BG" dirty="0" smtClean="0"/>
-              <a:t>Boundary value analysis is an extension of equivalence partitioning</a:t>
-            </a:r>
-            <a:endParaRPr lang="en-US" dirty="0" smtClean="0"/>
-          </a:p>
-          <a:p>
-            <a:pPr lvl="1">
-              <a:lnSpc>
-                <a:spcPct val="100000"/>
-              </a:lnSpc>
-            </a:pPr>
-            <a:r>
-              <a:rPr lang="en-US" dirty="0"/>
-              <a:t>A</a:t>
-            </a:r>
-            <a:r>
-              <a:rPr lang="bg-BG" dirty="0" smtClean="0"/>
-              <a:t>pplies only when the members of an equivalence class are </a:t>
-            </a:r>
-            <a:r>
-              <a:rPr lang="bg-BG" dirty="0" smtClean="0">
-                <a:solidFill>
-                  <a:schemeClr val="accent5">
-                    <a:lumMod val="20000"/>
-                    <a:lumOff val="80000"/>
-                  </a:schemeClr>
-                </a:solidFill>
-              </a:rPr>
-              <a:t>ordered</a:t>
-            </a:r>
-            <a:endParaRPr lang="en-US" dirty="0"/>
-          </a:p>
-        </p:txBody>
-      </p:sp>
-      <p:sp>
-        <p:nvSpPr>
-          <p:cNvPr id="4" name="Slide Number Placeholder 3"/>
-          <p:cNvSpPr>
-            <a:spLocks noGrp="1"/>
-          </p:cNvSpPr>
-          <p:nvPr>
-            <p:ph type="sldNum" sz="quarter" idx="10"/>
-          </p:nvPr>
-        </p:nvSpPr>
-        <p:spPr/>
-        <p:txBody>
-          <a:bodyPr/>
-          <a:lstStyle/>
-          <a:p>
-            <a:pPr>
-              <a:defRPr/>
-            </a:pPr>
-            <a:fld id="{58452FF4-89E3-4D1B-9927-2DBDC00E58D7}" type="slidenum">
-              <a:rPr lang="en-US" smtClean="0"/>
-              <a:pPr>
-                <a:defRPr/>
-              </a:pPr>
-              <a:t>13</a:t>
-            </a:fld>
-            <a:endParaRPr lang="en-US" dirty="0"/>
-          </a:p>
-        </p:txBody>
-      </p:sp>
-      <p:pic>
-        <p:nvPicPr>
-          <p:cNvPr id="5" name="Picture 4" descr="caution.gif"/>
-          <p:cNvPicPr>
-            <a:picLocks noChangeAspect="1"/>
-          </p:cNvPicPr>
-          <p:nvPr/>
-        </p:nvPicPr>
-        <p:blipFill>
-          <a:blip r:embed="rId3" cstate="print">
-            <a:extLst>
-              <a:ext uri="{28A0092B-C50C-407E-A947-70E740481C1C}">
-                <a14:useLocalDpi xmlns:a14="http://schemas.microsoft.com/office/drawing/2010/main"/>
-              </a:ext>
-            </a:extLst>
-          </a:blip>
-          <a:stretch>
-            <a:fillRect/>
-          </a:stretch>
-        </p:blipFill>
-        <p:spPr>
-          <a:xfrm>
-            <a:off x="3605213" y="4757057"/>
-            <a:ext cx="1933575" cy="1714500"/>
-          </a:xfrm>
-          <a:prstGeom prst="roundRect">
-            <a:avLst>
-              <a:gd name="adj" fmla="val 8201"/>
-            </a:avLst>
-          </a:prstGeom>
-          <a:effectLst>
-            <a:glow rad="101600">
-              <a:schemeClr val="tx1">
-                <a:alpha val="60000"/>
-              </a:schemeClr>
-            </a:glow>
-          </a:effectLst>
-          <a:scene3d>
-            <a:camera prst="orthographicFront"/>
-            <a:lightRig rig="threePt" dir="t"/>
-          </a:scene3d>
-          <a:sp3d>
-            <a:bevelT w="165100" prst="coolSlant"/>
-          </a:sp3d>
-        </p:spPr>
-      </p:pic>
-    </p:spTree>
-    <p:extLst>
-      <p:ext uri="{BB962C8B-B14F-4D97-AF65-F5344CB8AC3E}">
-        <p14:creationId xmlns:p14="http://schemas.microsoft.com/office/powerpoint/2010/main" val="847779307"/>
-      </p:ext>
-    </p:extLst>
-  </p:cSld>
-  <p:clrMapOvr>
-    <a:masterClrMapping/>
-  </p:clrMapOvr>
-  <mc:AlternateContent xmlns:mc="http://schemas.openxmlformats.org/markup-compatibility/2006" xmlns:p14="http://schemas.microsoft.com/office/powerpoint/2010/main">
-    <mc:Choice Requires="p14">
-      <p:transition spd="slow" p14:dur="2000"/>
-    </mc:Choice>
-    <mc:Fallback xmlns="">
-      <p:transition spd="slow"/>
-    </mc:Fallback>
-  </mc:AlternateContent>
-  <p:timing>
-    <p:tnLst>
-      <p:par>
-        <p:cTn id="1" dur="indefinite" restart="never" nodeType="tmRoot"/>
-      </p:par>
-    </p:tnLst>
-  </p:timing>
-</p:sld>
-</file>
-
-<file path=ppt/slides/slide14.xml><?xml version="1.0" encoding="utf-8"?>
 <p:sld xmlns:a="http://schemas.openxmlformats.org/drawingml/2006/main" xmlns:r="http://schemas.openxmlformats.org/officeDocument/2006/relationships" xmlns:p="http://schemas.openxmlformats.org/presentationml/2006/main">
   <p:cSld>
     <p:spTree>
@@ -11904,7 +11429,7 @@
               <a:pPr>
                 <a:defRPr/>
               </a:pPr>
-              <a:t>14</a:t>
+              <a:t>13</a:t>
             </a:fld>
             <a:endParaRPr lang="en-US" dirty="0"/>
           </a:p>
@@ -11970,7 +11495,7 @@
 </p:sld>
 </file>
 
-<file path=ppt/slides/slide15.xml><?xml version="1.0" encoding="utf-8"?>
+<file path=ppt/slides/slide14.xml><?xml version="1.0" encoding="utf-8"?>
 <p:sld xmlns:a="http://schemas.openxmlformats.org/drawingml/2006/main" xmlns:r="http://schemas.openxmlformats.org/officeDocument/2006/relationships" xmlns:p="http://schemas.openxmlformats.org/presentationml/2006/main">
   <p:cSld>
     <p:spTree>
@@ -12161,7 +11686,7 @@
               <a:pPr>
                 <a:defRPr/>
               </a:pPr>
-              <a:t>15</a:t>
+              <a:t>14</a:t>
             </a:fld>
             <a:endParaRPr lang="en-US" dirty="0"/>
           </a:p>
@@ -12232,7 +11757,7 @@
 </p:sld>
 </file>
 
-<file path=ppt/slides/slide16.xml><?xml version="1.0" encoding="utf-8"?>
+<file path=ppt/slides/slide15.xml><?xml version="1.0" encoding="utf-8"?>
 <p:sld xmlns:a="http://schemas.openxmlformats.org/drawingml/2006/main" xmlns:r="http://schemas.openxmlformats.org/officeDocument/2006/relationships" xmlns:p="http://schemas.openxmlformats.org/presentationml/2006/main">
   <p:cSld>
     <p:spTree>
@@ -12272,7 +11797,7 @@
               <a:pPr>
                 <a:defRPr/>
               </a:pPr>
-              <a:t>16</a:t>
+              <a:t>15</a:t>
             </a:fld>
             <a:endParaRPr lang="en-US" dirty="0"/>
           </a:p>
@@ -12407,7 +11932,7 @@
 </p:sld>
 </file>
 
-<file path=ppt/slides/slide17.xml><?xml version="1.0" encoding="utf-8"?>
+<file path=ppt/slides/slide16.xml><?xml version="1.0" encoding="utf-8"?>
 <p:sld xmlns:a="http://schemas.openxmlformats.org/drawingml/2006/main" xmlns:r="http://schemas.openxmlformats.org/officeDocument/2006/relationships" xmlns:p="http://schemas.openxmlformats.org/presentationml/2006/main">
   <p:cSld>
     <p:spTree>
@@ -12562,7 +12087,7 @@
               <a:pPr>
                 <a:defRPr/>
               </a:pPr>
-              <a:t>17</a:t>
+              <a:t>16</a:t>
             </a:fld>
             <a:endParaRPr lang="en-US" dirty="0"/>
           </a:p>
@@ -12669,7 +12194,7 @@
 </p:sld>
 </file>
 
-<file path=ppt/slides/slide18.xml><?xml version="1.0" encoding="utf-8"?>
+<file path=ppt/slides/slide17.xml><?xml version="1.0" encoding="utf-8"?>
 <p:sld xmlns:a="http://schemas.openxmlformats.org/drawingml/2006/main" xmlns:r="http://schemas.openxmlformats.org/officeDocument/2006/relationships" xmlns:p="http://schemas.openxmlformats.org/presentationml/2006/main">
   <p:cSld>
     <p:spTree>
@@ -12828,7 +12353,7 @@
               <a:pPr>
                 <a:defRPr/>
               </a:pPr>
-              <a:t>18</a:t>
+              <a:t>17</a:t>
             </a:fld>
             <a:endParaRPr lang="en-US" dirty="0"/>
           </a:p>
@@ -13223,7 +12748,7 @@
 </p:sld>
 </file>
 
-<file path=ppt/slides/slide19.xml><?xml version="1.0" encoding="utf-8"?>
+<file path=ppt/slides/slide18.xml><?xml version="1.0" encoding="utf-8"?>
 <p:sld xmlns:a="http://schemas.openxmlformats.org/drawingml/2006/main" xmlns:r="http://schemas.openxmlformats.org/officeDocument/2006/relationships" xmlns:p="http://schemas.openxmlformats.org/presentationml/2006/main">
   <p:cSld>
     <p:spTree>
@@ -13359,7 +12884,7 @@
               <a:pPr>
                 <a:defRPr/>
               </a:pPr>
-              <a:t>19</a:t>
+              <a:t>18</a:t>
             </a:fld>
             <a:endParaRPr lang="en-US" dirty="0"/>
           </a:p>
@@ -14068,7 +13593,7 @@
 </p:sld>
 </file>
 
-<file path=ppt/slides/slide2.xml><?xml version="1.0" encoding="utf-8"?>
+<file path=ppt/slides/slide19.xml><?xml version="1.0" encoding="utf-8"?>
 <p:sld xmlns:a="http://schemas.openxmlformats.org/drawingml/2006/main" xmlns:r="http://schemas.openxmlformats.org/officeDocument/2006/relationships" xmlns:p="http://schemas.openxmlformats.org/presentationml/2006/main">
   <p:cSld>
     <p:spTree>
@@ -14095,15 +13620,53 @@
             <p:ph type="title"/>
           </p:nvPr>
         </p:nvSpPr>
-        <p:spPr/>
+        <p:spPr>
+          <a:xfrm>
+            <a:off x="1828800" y="228600"/>
+            <a:ext cx="7086600" cy="914400"/>
+          </a:xfrm>
+        </p:spPr>
         <p:txBody>
           <a:bodyPr/>
           <a:lstStyle/>
           <a:p>
             <a:r>
+              <a:rPr lang="en-US" dirty="0" smtClean="0"/>
+              <a:t>Boundary </a:t>
+            </a:r>
+            <a:r>
               <a:rPr lang="en-US" dirty="0"/>
-              <a:t>The Lectors</a:t>
-            </a:r>
+              <a:t>V</a:t>
+            </a:r>
+            <a:r>
+              <a:rPr lang="en-US" dirty="0" smtClean="0"/>
+              <a:t>alues </a:t>
+            </a:r>
+            <a:r>
+              <a:rPr lang="en-US" dirty="0"/>
+              <a:t>W</a:t>
+            </a:r>
+            <a:r>
+              <a:rPr lang="en-US" dirty="0" smtClean="0"/>
+              <a:t>ith </a:t>
+            </a:r>
+            <a:r>
+              <a:rPr lang="en-US" dirty="0"/>
+              <a:t>F</a:t>
+            </a:r>
+            <a:r>
+              <a:rPr lang="en-US" dirty="0" smtClean="0"/>
+              <a:t>loating Point </a:t>
+            </a:r>
+            <a:r>
+              <a:rPr lang="en-US" dirty="0"/>
+              <a:t>D</a:t>
+            </a:r>
+            <a:r>
+              <a:rPr lang="en-US" dirty="0" smtClean="0"/>
+              <a:t>ata</a:t>
+            </a:r>
+            <a:endParaRPr lang="en-US" dirty="0"/>
           </a:p>
         </p:txBody>
       </p:sp>
@@ -14119,8 +13682,8 @@
         </p:nvSpPr>
         <p:spPr>
           <a:xfrm>
-            <a:off x="609600" y="932331"/>
-            <a:ext cx="7924800" cy="5764304"/>
+            <a:off x="228600" y="1143000"/>
+            <a:ext cx="8686800" cy="5486400"/>
           </a:xfrm>
         </p:spPr>
         <p:txBody>
@@ -14131,161 +13694,22 @@
               <a:lnSpc>
                 <a:spcPct val="100000"/>
               </a:lnSpc>
-              <a:spcBef>
-                <a:spcPts val="300"/>
-              </a:spcBef>
-              <a:spcAft>
-                <a:spcPts val="300"/>
-              </a:spcAft>
             </a:pPr>
             <a:r>
-              <a:rPr lang="en-US" dirty="0" smtClean="0">
-                <a:solidFill>
-                  <a:schemeClr val="accent5">
-                    <a:lumMod val="20000"/>
-                    <a:lumOff val="80000"/>
-                  </a:schemeClr>
-                </a:solidFill>
-              </a:rPr>
-              <a:t>Mihail Parvanov</a:t>
-            </a:r>
-            <a:r>
-              <a:rPr lang="bg-BG" dirty="0">
-                <a:solidFill>
-                  <a:schemeClr val="accent5">
-                    <a:lumMod val="20000"/>
-                    <a:lumOff val="80000"/>
-                  </a:schemeClr>
-                </a:solidFill>
-              </a:rPr>
-              <a:t/>
-            </a:r>
-            <a:br>
-              <a:rPr lang="bg-BG" dirty="0">
-                <a:solidFill>
-                  <a:schemeClr val="accent5">
-                    <a:lumMod val="20000"/>
-                    <a:lumOff val="80000"/>
-                  </a:schemeClr>
-                </a:solidFill>
-              </a:rPr>
-            </a:br>
-            <a:r>
-              <a:rPr lang="en-US" sz="2400" dirty="0" smtClean="0"/>
-              <a:t>Manager, QA</a:t>
-            </a:r>
-            <a:br>
-              <a:rPr lang="en-US" sz="2400" dirty="0" smtClean="0"/>
-            </a:br>
-            <a:r>
-              <a:rPr lang="en-US" sz="2400" dirty="0" smtClean="0"/>
-              <a:t>ASP </a:t>
-            </a:r>
-            <a:r>
-              <a:rPr lang="en-US" sz="2400" dirty="0"/>
-              <a:t>.NET AJAX Team</a:t>
-            </a:r>
-          </a:p>
-          <a:p>
-            <a:pPr marL="357188" lvl="1" indent="0">
+              <a:rPr lang="en-US" dirty="0" smtClean="0"/>
+              <a:t>Be careful when you set boundary values for floating point data!</a:t>
+            </a:r>
+          </a:p>
+          <a:p>
+            <a:pPr>
               <a:lnSpc>
                 <a:spcPct val="100000"/>
               </a:lnSpc>
-              <a:buNone/>
             </a:pPr>
             <a:r>
-              <a:rPr lang="en-US" dirty="0" smtClean="0"/>
-              <a:t/>
-            </a:r>
-            <a:br>
-              <a:rPr lang="en-US" dirty="0" smtClean="0"/>
-            </a:br>
-            <a:r>
-              <a:rPr lang="en-US" dirty="0" smtClean="0">
-                <a:effectLst/>
-              </a:rPr>
-              <a:t/>
-            </a:r>
-            <a:br>
-              <a:rPr lang="en-US" dirty="0" smtClean="0">
-                <a:effectLst/>
-              </a:rPr>
-            </a:br>
-            <a:endParaRPr lang="en-US" dirty="0" smtClean="0">
-              <a:effectLst/>
-            </a:endParaRPr>
-          </a:p>
-          <a:p>
-            <a:pPr marL="357188" lvl="1" indent="0">
-              <a:lnSpc>
-                <a:spcPct val="100000"/>
-              </a:lnSpc>
-              <a:buNone/>
-            </a:pPr>
-            <a:r>
-              <a:rPr lang="en-US" dirty="0" smtClean="0">
-                <a:solidFill>
-                  <a:schemeClr val="accent5">
-                    <a:lumMod val="20000"/>
-                    <a:lumOff val="80000"/>
-                  </a:schemeClr>
-                </a:solidFill>
-              </a:rPr>
-              <a:t>Dimitar Goshev</a:t>
-            </a:r>
-            <a:r>
-              <a:rPr lang="bg-BG" dirty="0">
-                <a:solidFill>
-                  <a:schemeClr val="accent5">
-                    <a:lumMod val="20000"/>
-                    <a:lumOff val="80000"/>
-                  </a:schemeClr>
-                </a:solidFill>
-              </a:rPr>
-              <a:t/>
-            </a:r>
-            <a:br>
-              <a:rPr lang="bg-BG" dirty="0">
-                <a:solidFill>
-                  <a:schemeClr val="accent5">
-                    <a:lumMod val="20000"/>
-                    <a:lumOff val="80000"/>
-                  </a:schemeClr>
-                </a:solidFill>
-              </a:rPr>
-            </a:br>
-            <a:r>
-              <a:rPr lang="en-US" sz="2400" dirty="0">
-                <a:solidFill>
-                  <a:srgbClr val="EBFFD2"/>
-                </a:solidFill>
-              </a:rPr>
-              <a:t>QA Engineer</a:t>
-            </a:r>
-            <a:br>
-              <a:rPr lang="en-US" sz="2400" dirty="0">
-                <a:solidFill>
-                  <a:srgbClr val="EBFFD2"/>
-                </a:solidFill>
-              </a:rPr>
-            </a:br>
-            <a:r>
-              <a:rPr lang="en-US" sz="2400" dirty="0">
-                <a:solidFill>
-                  <a:srgbClr val="EBFFD2"/>
-                </a:solidFill>
-              </a:rPr>
-              <a:t>ASP .NET AJAX Team</a:t>
-            </a:r>
-          </a:p>
-          <a:p>
-            <a:pPr marL="357188" lvl="1" indent="0">
-              <a:lnSpc>
-                <a:spcPct val="100000"/>
-              </a:lnSpc>
-              <a:buNone/>
-            </a:pPr>
-            <a:endParaRPr lang="en-US" dirty="0" smtClean="0"/>
+              <a:rPr lang="bg-BG" dirty="0" smtClean="0"/>
+              <a:t>Floating point numbers, like integers, are also ordered sets. However, while integers do not have decimal points, floating point numbers do</a:t>
+            </a:r>
           </a:p>
         </p:txBody>
       </p:sp>
@@ -14312,262 +13736,7 @@
               <a:pPr>
                 <a:defRPr/>
               </a:pPr>
-              <a:t>2</a:t>
-            </a:fld>
-            <a:endParaRPr lang="en-US" dirty="0"/>
-          </a:p>
-        </p:txBody>
-      </p:sp>
-      <p:pic>
-        <p:nvPicPr>
-          <p:cNvPr id="5" name="Picture 4"/>
-          <p:cNvPicPr>
-            <a:picLocks noChangeAspect="1"/>
-          </p:cNvPicPr>
-          <p:nvPr/>
-        </p:nvPicPr>
-        <p:blipFill rotWithShape="1">
-          <a:blip r:embed="rId2" cstate="print">
-            <a:extLst>
-              <a:ext uri="{28A0092B-C50C-407E-A947-70E740481C1C}">
-                <a14:useLocalDpi xmlns:a14="http://schemas.microsoft.com/office/drawing/2010/main" val="0"/>
-              </a:ext>
-            </a:extLst>
-          </a:blip>
-          <a:srcRect t="3188" b="3160"/>
-          <a:stretch/>
-        </p:blipFill>
-        <p:spPr>
-          <a:xfrm>
-            <a:off x="6384949" y="932331"/>
-            <a:ext cx="1634247" cy="2295728"/>
-          </a:xfrm>
-          <a:prstGeom prst="roundRect">
-            <a:avLst/>
-          </a:prstGeom>
-          <a:noFill/>
-          <a:ln>
-            <a:noFill/>
-          </a:ln>
-          <a:effectLst>
-            <a:glow rad="101600">
-              <a:schemeClr val="tx1">
-                <a:alpha val="60000"/>
-              </a:schemeClr>
-            </a:glow>
-            <a:outerShdw dist="35921" dir="2700000" algn="ctr" rotWithShape="0">
-              <a:schemeClr val="bg2"/>
-            </a:outerShdw>
-          </a:effectLst>
-        </p:spPr>
-      </p:pic>
-      <p:pic>
-        <p:nvPicPr>
-          <p:cNvPr id="6" name="Picture 5"/>
-          <p:cNvPicPr>
-            <a:picLocks noChangeAspect="1"/>
-          </p:cNvPicPr>
-          <p:nvPr/>
-        </p:nvPicPr>
-        <p:blipFill rotWithShape="1">
-          <a:blip r:embed="rId3" cstate="print">
-            <a:extLst>
-              <a:ext uri="{28A0092B-C50C-407E-A947-70E740481C1C}">
-                <a14:useLocalDpi xmlns:a14="http://schemas.microsoft.com/office/drawing/2010/main" val="0"/>
-              </a:ext>
-            </a:extLst>
-          </a:blip>
-          <a:srcRect l="19885" r="15581" b="7096"/>
-          <a:stretch/>
-        </p:blipFill>
-        <p:spPr>
-          <a:xfrm>
-            <a:off x="6384949" y="3700398"/>
-            <a:ext cx="1651024" cy="2281302"/>
-          </a:xfrm>
-          <a:prstGeom prst="roundRect">
-            <a:avLst/>
-          </a:prstGeom>
-          <a:noFill/>
-          <a:ln>
-            <a:noFill/>
-          </a:ln>
-          <a:effectLst>
-            <a:glow rad="101600">
-              <a:schemeClr val="tx1">
-                <a:alpha val="60000"/>
-              </a:schemeClr>
-            </a:glow>
-            <a:outerShdw dist="35921" dir="2700000" algn="ctr" rotWithShape="0">
-              <a:schemeClr val="bg2"/>
-            </a:outerShdw>
-          </a:effectLst>
-        </p:spPr>
-      </p:pic>
-    </p:spTree>
-    <p:extLst>
-      <p:ext uri="{BB962C8B-B14F-4D97-AF65-F5344CB8AC3E}">
-        <p14:creationId xmlns:p14="http://schemas.microsoft.com/office/powerpoint/2010/main" val="2181015806"/>
-      </p:ext>
-    </p:extLst>
-  </p:cSld>
-  <p:clrMapOvr>
-    <a:masterClrMapping/>
-  </p:clrMapOvr>
-  <p:timing>
-    <p:tnLst>
-      <p:par>
-        <p:cTn id="1" dur="indefinite" restart="never" nodeType="tmRoot"/>
-      </p:par>
-    </p:tnLst>
-  </p:timing>
-</p:sld>
-</file>
-
-<file path=ppt/slides/slide20.xml><?xml version="1.0" encoding="utf-8"?>
-<p:sld xmlns:a="http://schemas.openxmlformats.org/drawingml/2006/main" xmlns:r="http://schemas.openxmlformats.org/officeDocument/2006/relationships" xmlns:p="http://schemas.openxmlformats.org/presentationml/2006/main">
-  <p:cSld>
-    <p:spTree>
-      <p:nvGrpSpPr>
-        <p:cNvPr id="1" name=""/>
-        <p:cNvGrpSpPr/>
-        <p:nvPr/>
-      </p:nvGrpSpPr>
-      <p:grpSpPr>
-        <a:xfrm>
-          <a:off x="0" y="0"/>
-          <a:ext cx="0" cy="0"/>
-          <a:chOff x="0" y="0"/>
-          <a:chExt cx="0" cy="0"/>
-        </a:xfrm>
-      </p:grpSpPr>
-      <p:sp>
-        <p:nvSpPr>
-          <p:cNvPr id="2" name="Title 1"/>
-          <p:cNvSpPr>
-            <a:spLocks noGrp="1"/>
-          </p:cNvSpPr>
-          <p:nvPr>
-            <p:ph type="title"/>
-          </p:nvPr>
-        </p:nvSpPr>
-        <p:spPr>
-          <a:xfrm>
-            <a:off x="1828800" y="228600"/>
-            <a:ext cx="7086600" cy="914400"/>
-          </a:xfrm>
-        </p:spPr>
-        <p:txBody>
-          <a:bodyPr/>
-          <a:lstStyle/>
-          <a:p>
-            <a:r>
-              <a:rPr lang="en-US" dirty="0" smtClean="0"/>
-              <a:t>Boundary </a:t>
-            </a:r>
-            <a:r>
-              <a:rPr lang="en-US" dirty="0"/>
-              <a:t>V</a:t>
-            </a:r>
-            <a:r>
-              <a:rPr lang="en-US" dirty="0" smtClean="0"/>
-              <a:t>alues </a:t>
-            </a:r>
-            <a:r>
-              <a:rPr lang="en-US" dirty="0"/>
-              <a:t>W</a:t>
-            </a:r>
-            <a:r>
-              <a:rPr lang="en-US" dirty="0" smtClean="0"/>
-              <a:t>ith </a:t>
-            </a:r>
-            <a:r>
-              <a:rPr lang="en-US" dirty="0"/>
-              <a:t>F</a:t>
-            </a:r>
-            <a:r>
-              <a:rPr lang="en-US" dirty="0" smtClean="0"/>
-              <a:t>loating Point </a:t>
-            </a:r>
-            <a:r>
-              <a:rPr lang="en-US" dirty="0"/>
-              <a:t>D</a:t>
-            </a:r>
-            <a:r>
-              <a:rPr lang="en-US" dirty="0" smtClean="0"/>
-              <a:t>ata</a:t>
-            </a:r>
-            <a:endParaRPr lang="en-US" dirty="0"/>
-          </a:p>
-        </p:txBody>
-      </p:sp>
-      <p:sp>
-        <p:nvSpPr>
-          <p:cNvPr id="3" name="Content Placeholder 2"/>
-          <p:cNvSpPr>
-            <a:spLocks noGrp="1"/>
-          </p:cNvSpPr>
-          <p:nvPr>
-            <p:ph idx="1"/>
-          </p:nvPr>
-        </p:nvSpPr>
-        <p:spPr>
-          <a:xfrm>
-            <a:off x="228600" y="1143000"/>
-            <a:ext cx="8686800" cy="5486400"/>
-          </a:xfrm>
-        </p:spPr>
-        <p:txBody>
-          <a:bodyPr/>
-          <a:lstStyle/>
-          <a:p>
-            <a:pPr>
-              <a:lnSpc>
-                <a:spcPct val="100000"/>
-              </a:lnSpc>
-            </a:pPr>
-            <a:r>
-              <a:rPr lang="en-US" dirty="0" smtClean="0"/>
-              <a:t>Be careful when you set boundary values for floating point data!</a:t>
-            </a:r>
-          </a:p>
-          <a:p>
-            <a:pPr>
-              <a:lnSpc>
-                <a:spcPct val="100000"/>
-              </a:lnSpc>
-            </a:pPr>
-            <a:r>
-              <a:rPr lang="bg-BG" dirty="0" smtClean="0"/>
-              <a:t>Floating point numbers, like integers, are also ordered sets. However, while integers do not have decimal points, floating point numbers do</a:t>
-            </a:r>
-          </a:p>
-        </p:txBody>
-      </p:sp>
-      <p:sp>
-        <p:nvSpPr>
-          <p:cNvPr id="4" name="Slide Number Placeholder 3"/>
-          <p:cNvSpPr>
-            <a:spLocks noGrp="1"/>
-          </p:cNvSpPr>
-          <p:nvPr>
-            <p:ph type="sldNum" sz="quarter" idx="10"/>
-          </p:nvPr>
-        </p:nvSpPr>
-        <p:spPr/>
-        <p:txBody>
-          <a:bodyPr/>
-          <a:lstStyle/>
-          <a:p>
-            <a:pPr>
-              <a:defRPr/>
-            </a:pPr>
-            <a:fld id="{58452FF4-89E3-4D1B-9927-2DBDC00E58D7}" type="slidenum">
-              <a:rPr lang="en-US" smtClean="0"/>
-              <a:pPr>
-                <a:defRPr/>
-              </a:pPr>
-              <a:t>20</a:t>
+              <a:t>19</a:t>
             </a:fld>
             <a:endParaRPr lang="en-US" dirty="0"/>
           </a:p>
@@ -14976,7 +14145,7 @@
 </p:sld>
 </file>
 
-<file path=ppt/slides/slide21.xml><?xml version="1.0" encoding="utf-8"?>
+<file path=ppt/slides/slide2.xml><?xml version="1.0" encoding="utf-8"?>
 <p:sld xmlns:a="http://schemas.openxmlformats.org/drawingml/2006/main" xmlns:r="http://schemas.openxmlformats.org/officeDocument/2006/relationships" xmlns:p="http://schemas.openxmlformats.org/presentationml/2006/main">
   <p:cSld>
     <p:spTree>
@@ -15003,29 +14172,15 @@
             <p:ph type="title"/>
           </p:nvPr>
         </p:nvSpPr>
-        <p:spPr>
-          <a:xfrm>
-            <a:off x="1828800" y="228600"/>
-            <a:ext cx="7086600" cy="914400"/>
-          </a:xfrm>
-        </p:spPr>
+        <p:spPr/>
         <p:txBody>
           <a:bodyPr/>
           <a:lstStyle/>
           <a:p>
             <a:r>
-              <a:rPr lang="en-US" dirty="0" smtClean="0"/>
-              <a:t>Boundary Values </a:t>
-            </a:r>
-            <a:r>
               <a:rPr lang="en-US" dirty="0"/>
-              <a:t>W</a:t>
-            </a:r>
-            <a:r>
-              <a:rPr lang="en-US" dirty="0" smtClean="0"/>
-              <a:t>ith Floating Point Data (1)</a:t>
-            </a:r>
-            <a:endParaRPr lang="en-US" dirty="0"/>
+              <a:t>The Lectors</a:t>
+            </a:r>
           </a:p>
         </p:txBody>
       </p:sp>
@@ -15041,8 +14196,8 @@
         </p:nvSpPr>
         <p:spPr>
           <a:xfrm>
-            <a:off x="228600" y="1219200"/>
-            <a:ext cx="8686800" cy="5486400"/>
+            <a:off x="609600" y="932331"/>
+            <a:ext cx="7924800" cy="5764304"/>
           </a:xfrm>
         </p:spPr>
         <p:txBody>
@@ -15053,9 +14208,15 @@
               <a:lnSpc>
                 <a:spcPct val="100000"/>
               </a:lnSpc>
+              <a:spcBef>
+                <a:spcPts val="300"/>
+              </a:spcBef>
+              <a:spcAft>
+                <a:spcPts val="300"/>
+              </a:spcAft>
             </a:pPr>
             <a:r>
-              <a:rPr lang="fr-FR" dirty="0" smtClean="0">
+              <a:rPr lang="en-US" dirty="0" smtClean="0">
                 <a:solidFill>
                   <a:schemeClr val="accent5">
                     <a:lumMod val="20000"/>
@@ -15063,25 +14224,10 @@
                   </a:schemeClr>
                 </a:solidFill>
               </a:rPr>
-              <a:t>How many decimal points? </a:t>
-            </a:r>
-            <a:r>
-              <a:rPr lang="fr-FR" dirty="0" smtClean="0"/>
-              <a:t>That is a question of the particular field's precision</a:t>
-            </a:r>
-          </a:p>
-          <a:p>
-            <a:pPr lvl="1">
-              <a:lnSpc>
-                <a:spcPct val="100000"/>
-              </a:lnSpc>
-            </a:pPr>
-            <a:r>
-              <a:rPr lang="fr-FR" dirty="0" smtClean="0"/>
-              <a:t>This is sometimes referred to as </a:t>
-            </a:r>
-            <a:r>
-              <a:rPr lang="fr-FR" dirty="0" smtClean="0">
+              <a:t>Mihail Parvanov</a:t>
+            </a:r>
+            <a:r>
+              <a:rPr lang="bg-BG" dirty="0">
                 <a:solidFill>
                   <a:schemeClr val="accent5">
                     <a:lumMod val="20000"/>
@@ -15089,10 +14235,10 @@
                   </a:schemeClr>
                 </a:solidFill>
               </a:rPr>
-              <a:t>epsilon</a:t>
-            </a:r>
-            <a:r>
-              <a:rPr lang="fr-FR" i="1" dirty="0" smtClean="0">
+              <a:t/>
+            </a:r>
+            <a:br>
+              <a:rPr lang="bg-BG" dirty="0">
                 <a:solidFill>
                   <a:schemeClr val="accent5">
                     <a:lumMod val="20000"/>
@@ -15100,14 +14246,61 @@
                   </a:schemeClr>
                 </a:solidFill>
               </a:rPr>
-              <a:t> </a:t>
-            </a:r>
-            <a:r>
-              <a:rPr lang="fr-FR" dirty="0" smtClean="0"/>
-              <a:t>or the </a:t>
-            </a:r>
-            <a:r>
-              <a:rPr lang="fr-FR" dirty="0">
+            </a:br>
+            <a:r>
+              <a:rPr lang="en-US" sz="2400" dirty="0" smtClean="0"/>
+              <a:t>Manager, QA</a:t>
+            </a:r>
+            <a:br>
+              <a:rPr lang="en-US" sz="2400" dirty="0" smtClean="0"/>
+            </a:br>
+            <a:r>
+              <a:rPr lang="en-US" sz="2400" dirty="0" smtClean="0"/>
+              <a:t>ASP </a:t>
+            </a:r>
+            <a:r>
+              <a:rPr lang="en-US" sz="2400" dirty="0"/>
+              <a:t>.NET AJAX Team</a:t>
+            </a:r>
+          </a:p>
+          <a:p>
+            <a:pPr marL="357188" lvl="1" indent="0">
+              <a:lnSpc>
+                <a:spcPct val="100000"/>
+              </a:lnSpc>
+              <a:buNone/>
+            </a:pPr>
+            <a:r>
+              <a:rPr lang="en-US" dirty="0" smtClean="0"/>
+              <a:t/>
+            </a:r>
+            <a:br>
+              <a:rPr lang="en-US" dirty="0" smtClean="0"/>
+            </a:br>
+            <a:r>
+              <a:rPr lang="en-US" dirty="0" smtClean="0">
+                <a:effectLst/>
+              </a:rPr>
+              <a:t/>
+            </a:r>
+            <a:br>
+              <a:rPr lang="en-US" dirty="0" smtClean="0">
+                <a:effectLst/>
+              </a:rPr>
+            </a:br>
+            <a:endParaRPr lang="en-US" dirty="0" smtClean="0">
+              <a:effectLst/>
+            </a:endParaRPr>
+          </a:p>
+          <a:p>
+            <a:pPr marL="357188" lvl="1" indent="0">
+              <a:lnSpc>
+                <a:spcPct val="100000"/>
+              </a:lnSpc>
+              <a:buNone/>
+            </a:pPr>
+            <a:r>
+              <a:rPr lang="en-US" dirty="0" smtClean="0">
                 <a:solidFill>
                   <a:schemeClr val="accent5">
                     <a:lumMod val="20000"/>
@@ -15115,41 +14308,10 @@
                   </a:schemeClr>
                 </a:solidFill>
               </a:rPr>
-              <a:t>smallest recognizable difference</a:t>
-            </a:r>
-          </a:p>
-          <a:p>
-            <a:pPr lvl="1">
-              <a:lnSpc>
-                <a:spcPct val="100000"/>
-              </a:lnSpc>
-            </a:pPr>
-            <a:r>
-              <a:rPr lang="en-US" dirty="0" smtClean="0"/>
-              <a:t>We </a:t>
-            </a:r>
-            <a:r>
-              <a:rPr lang="bg-BG" dirty="0" smtClean="0"/>
-              <a:t>can't figure out what the boundary values are without knowing the answer to this question</a:t>
-            </a:r>
-            <a:endParaRPr lang="en-US" dirty="0" smtClean="0"/>
-          </a:p>
-          <a:p>
-            <a:pPr>
-              <a:lnSpc>
-                <a:spcPct val="100000"/>
-              </a:lnSpc>
-            </a:pPr>
-            <a:r>
-              <a:rPr lang="en-US" dirty="0" smtClean="0"/>
-              <a:t>P</a:t>
-            </a:r>
-            <a:r>
-              <a:rPr lang="bg-BG" dirty="0" smtClean="0"/>
-              <a:t>roblems with precision, and particularly ambiguity about it, are </a:t>
-            </a:r>
-            <a:r>
-              <a:rPr lang="bg-BG" dirty="0" smtClean="0">
+              <a:t>Dimitar Goshev</a:t>
+            </a:r>
+            <a:r>
+              <a:rPr lang="bg-BG" dirty="0">
                 <a:solidFill>
                   <a:schemeClr val="accent5">
                     <a:lumMod val="20000"/>
@@ -15157,8 +14319,50 @@
                   </a:schemeClr>
                 </a:solidFill>
               </a:rPr>
-              <a:t>fertile ground for bugs</a:t>
-            </a:r>
+              <a:t/>
+            </a:r>
+            <a:br>
+              <a:rPr lang="bg-BG" dirty="0">
+                <a:solidFill>
+                  <a:schemeClr val="accent5">
+                    <a:lumMod val="20000"/>
+                    <a:lumOff val="80000"/>
+                  </a:schemeClr>
+                </a:solidFill>
+              </a:rPr>
+            </a:br>
+            <a:r>
+              <a:rPr lang="en-US" sz="2400" dirty="0">
+                <a:solidFill>
+                  <a:srgbClr val="EBFFD2"/>
+                </a:solidFill>
+              </a:rPr>
+              <a:t>QA Engineer</a:t>
+            </a:r>
+            <a:br>
+              <a:rPr lang="en-US" sz="2400" dirty="0">
+                <a:solidFill>
+                  <a:srgbClr val="EBFFD2"/>
+                </a:solidFill>
+              </a:rPr>
+            </a:br>
+            <a:r>
+              <a:rPr lang="en-US" sz="2400" dirty="0">
+                <a:solidFill>
+                  <a:srgbClr val="EBFFD2"/>
+                </a:solidFill>
+              </a:rPr>
+              <a:t>ASP .NET AJAX Team</a:t>
+            </a:r>
+          </a:p>
+          <a:p>
+            <a:pPr marL="357188" lvl="1" indent="0">
+              <a:lnSpc>
+                <a:spcPct val="100000"/>
+              </a:lnSpc>
+              <a:buNone/>
+            </a:pPr>
+            <a:endParaRPr lang="en-US" dirty="0" smtClean="0"/>
           </a:p>
         </p:txBody>
       </p:sp>
@@ -15185,7 +14389,328 @@
               <a:pPr>
                 <a:defRPr/>
               </a:pPr>
-              <a:t>21</a:t>
+              <a:t>2</a:t>
+            </a:fld>
+            <a:endParaRPr lang="en-US" dirty="0"/>
+          </a:p>
+        </p:txBody>
+      </p:sp>
+      <p:pic>
+        <p:nvPicPr>
+          <p:cNvPr id="5" name="Picture 4"/>
+          <p:cNvPicPr>
+            <a:picLocks noChangeAspect="1"/>
+          </p:cNvPicPr>
+          <p:nvPr/>
+        </p:nvPicPr>
+        <p:blipFill rotWithShape="1">
+          <a:blip r:embed="rId2" cstate="print">
+            <a:extLst>
+              <a:ext uri="{28A0092B-C50C-407E-A947-70E740481C1C}">
+                <a14:useLocalDpi xmlns:a14="http://schemas.microsoft.com/office/drawing/2010/main" val="0"/>
+              </a:ext>
+            </a:extLst>
+          </a:blip>
+          <a:srcRect t="3188" b="3160"/>
+          <a:stretch/>
+        </p:blipFill>
+        <p:spPr>
+          <a:xfrm>
+            <a:off x="6384949" y="932331"/>
+            <a:ext cx="1634247" cy="2295728"/>
+          </a:xfrm>
+          <a:prstGeom prst="roundRect">
+            <a:avLst/>
+          </a:prstGeom>
+          <a:noFill/>
+          <a:ln>
+            <a:noFill/>
+          </a:ln>
+          <a:effectLst>
+            <a:glow rad="101600">
+              <a:schemeClr val="tx1">
+                <a:alpha val="60000"/>
+              </a:schemeClr>
+            </a:glow>
+            <a:outerShdw dist="35921" dir="2700000" algn="ctr" rotWithShape="0">
+              <a:schemeClr val="bg2"/>
+            </a:outerShdw>
+          </a:effectLst>
+        </p:spPr>
+      </p:pic>
+      <p:pic>
+        <p:nvPicPr>
+          <p:cNvPr id="6" name="Picture 5"/>
+          <p:cNvPicPr>
+            <a:picLocks noChangeAspect="1"/>
+          </p:cNvPicPr>
+          <p:nvPr/>
+        </p:nvPicPr>
+        <p:blipFill rotWithShape="1">
+          <a:blip r:embed="rId3" cstate="print">
+            <a:extLst>
+              <a:ext uri="{28A0092B-C50C-407E-A947-70E740481C1C}">
+                <a14:useLocalDpi xmlns:a14="http://schemas.microsoft.com/office/drawing/2010/main" val="0"/>
+              </a:ext>
+            </a:extLst>
+          </a:blip>
+          <a:srcRect l="19885" r="15581" b="7096"/>
+          <a:stretch/>
+        </p:blipFill>
+        <p:spPr>
+          <a:xfrm>
+            <a:off x="6384949" y="3700398"/>
+            <a:ext cx="1651024" cy="2281302"/>
+          </a:xfrm>
+          <a:prstGeom prst="roundRect">
+            <a:avLst/>
+          </a:prstGeom>
+          <a:noFill/>
+          <a:ln>
+            <a:noFill/>
+          </a:ln>
+          <a:effectLst>
+            <a:glow rad="101600">
+              <a:schemeClr val="tx1">
+                <a:alpha val="60000"/>
+              </a:schemeClr>
+            </a:glow>
+            <a:outerShdw dist="35921" dir="2700000" algn="ctr" rotWithShape="0">
+              <a:schemeClr val="bg2"/>
+            </a:outerShdw>
+          </a:effectLst>
+        </p:spPr>
+      </p:pic>
+    </p:spTree>
+    <p:extLst>
+      <p:ext uri="{BB962C8B-B14F-4D97-AF65-F5344CB8AC3E}">
+        <p14:creationId xmlns:p14="http://schemas.microsoft.com/office/powerpoint/2010/main" val="2181015806"/>
+      </p:ext>
+    </p:extLst>
+  </p:cSld>
+  <p:clrMapOvr>
+    <a:masterClrMapping/>
+  </p:clrMapOvr>
+  <p:timing>
+    <p:tnLst>
+      <p:par>
+        <p:cTn id="1" dur="indefinite" restart="never" nodeType="tmRoot"/>
+      </p:par>
+    </p:tnLst>
+  </p:timing>
+</p:sld>
+</file>
+
+<file path=ppt/slides/slide20.xml><?xml version="1.0" encoding="utf-8"?>
+<p:sld xmlns:a="http://schemas.openxmlformats.org/drawingml/2006/main" xmlns:r="http://schemas.openxmlformats.org/officeDocument/2006/relationships" xmlns:p="http://schemas.openxmlformats.org/presentationml/2006/main">
+  <p:cSld>
+    <p:spTree>
+      <p:nvGrpSpPr>
+        <p:cNvPr id="1" name=""/>
+        <p:cNvGrpSpPr/>
+        <p:nvPr/>
+      </p:nvGrpSpPr>
+      <p:grpSpPr>
+        <a:xfrm>
+          <a:off x="0" y="0"/>
+          <a:ext cx="0" cy="0"/>
+          <a:chOff x="0" y="0"/>
+          <a:chExt cx="0" cy="0"/>
+        </a:xfrm>
+      </p:grpSpPr>
+      <p:sp>
+        <p:nvSpPr>
+          <p:cNvPr id="2" name="Title 1"/>
+          <p:cNvSpPr>
+            <a:spLocks noGrp="1"/>
+          </p:cNvSpPr>
+          <p:nvPr>
+            <p:ph type="title"/>
+          </p:nvPr>
+        </p:nvSpPr>
+        <p:spPr>
+          <a:xfrm>
+            <a:off x="1828800" y="228600"/>
+            <a:ext cx="7086600" cy="914400"/>
+          </a:xfrm>
+        </p:spPr>
+        <p:txBody>
+          <a:bodyPr/>
+          <a:lstStyle/>
+          <a:p>
+            <a:r>
+              <a:rPr lang="en-US" dirty="0" smtClean="0"/>
+              <a:t>Boundary Values </a:t>
+            </a:r>
+            <a:r>
+              <a:rPr lang="en-US" dirty="0"/>
+              <a:t>W</a:t>
+            </a:r>
+            <a:r>
+              <a:rPr lang="en-US" dirty="0" smtClean="0"/>
+              <a:t>ith Floating Point Data (1)</a:t>
+            </a:r>
+            <a:endParaRPr lang="en-US" dirty="0"/>
+          </a:p>
+        </p:txBody>
+      </p:sp>
+      <p:sp>
+        <p:nvSpPr>
+          <p:cNvPr id="3" name="Content Placeholder 2"/>
+          <p:cNvSpPr>
+            <a:spLocks noGrp="1"/>
+          </p:cNvSpPr>
+          <p:nvPr>
+            <p:ph idx="1"/>
+          </p:nvPr>
+        </p:nvSpPr>
+        <p:spPr>
+          <a:xfrm>
+            <a:off x="228600" y="1219200"/>
+            <a:ext cx="8686800" cy="5486400"/>
+          </a:xfrm>
+        </p:spPr>
+        <p:txBody>
+          <a:bodyPr/>
+          <a:lstStyle/>
+          <a:p>
+            <a:pPr>
+              <a:lnSpc>
+                <a:spcPct val="100000"/>
+              </a:lnSpc>
+            </a:pPr>
+            <a:r>
+              <a:rPr lang="fr-FR" dirty="0" smtClean="0">
+                <a:solidFill>
+                  <a:schemeClr val="accent5">
+                    <a:lumMod val="20000"/>
+                    <a:lumOff val="80000"/>
+                  </a:schemeClr>
+                </a:solidFill>
+              </a:rPr>
+              <a:t>How many decimal points? </a:t>
+            </a:r>
+            <a:r>
+              <a:rPr lang="fr-FR" dirty="0" smtClean="0"/>
+              <a:t>That is a question of the particular field's precision</a:t>
+            </a:r>
+          </a:p>
+          <a:p>
+            <a:pPr lvl="1">
+              <a:lnSpc>
+                <a:spcPct val="100000"/>
+              </a:lnSpc>
+            </a:pPr>
+            <a:r>
+              <a:rPr lang="fr-FR" dirty="0" smtClean="0"/>
+              <a:t>This is sometimes referred to as </a:t>
+            </a:r>
+            <a:r>
+              <a:rPr lang="fr-FR" dirty="0" smtClean="0">
+                <a:solidFill>
+                  <a:schemeClr val="accent5">
+                    <a:lumMod val="20000"/>
+                    <a:lumOff val="80000"/>
+                  </a:schemeClr>
+                </a:solidFill>
+              </a:rPr>
+              <a:t>epsilon</a:t>
+            </a:r>
+            <a:r>
+              <a:rPr lang="fr-FR" i="1" dirty="0" smtClean="0">
+                <a:solidFill>
+                  <a:schemeClr val="accent5">
+                    <a:lumMod val="20000"/>
+                    <a:lumOff val="80000"/>
+                  </a:schemeClr>
+                </a:solidFill>
+              </a:rPr>
+              <a:t> </a:t>
+            </a:r>
+            <a:r>
+              <a:rPr lang="fr-FR" dirty="0" smtClean="0"/>
+              <a:t>or the </a:t>
+            </a:r>
+            <a:r>
+              <a:rPr lang="fr-FR" dirty="0">
+                <a:solidFill>
+                  <a:schemeClr val="accent5">
+                    <a:lumMod val="20000"/>
+                    <a:lumOff val="80000"/>
+                  </a:schemeClr>
+                </a:solidFill>
+              </a:rPr>
+              <a:t>smallest recognizable difference</a:t>
+            </a:r>
+          </a:p>
+          <a:p>
+            <a:pPr lvl="1">
+              <a:lnSpc>
+                <a:spcPct val="100000"/>
+              </a:lnSpc>
+            </a:pPr>
+            <a:r>
+              <a:rPr lang="en-US" dirty="0" smtClean="0"/>
+              <a:t>We </a:t>
+            </a:r>
+            <a:r>
+              <a:rPr lang="bg-BG" dirty="0" smtClean="0"/>
+              <a:t>can't figure out what the boundary values are without knowing the answer to this question</a:t>
+            </a:r>
+            <a:endParaRPr lang="en-US" dirty="0" smtClean="0"/>
+          </a:p>
+          <a:p>
+            <a:pPr>
+              <a:lnSpc>
+                <a:spcPct val="100000"/>
+              </a:lnSpc>
+            </a:pPr>
+            <a:r>
+              <a:rPr lang="en-US" dirty="0" smtClean="0"/>
+              <a:t>P</a:t>
+            </a:r>
+            <a:r>
+              <a:rPr lang="bg-BG" dirty="0" smtClean="0"/>
+              <a:t>roblems with precision, and particularly ambiguity about it, are </a:t>
+            </a:r>
+            <a:r>
+              <a:rPr lang="bg-BG" dirty="0" smtClean="0">
+                <a:solidFill>
+                  <a:schemeClr val="accent5">
+                    <a:lumMod val="20000"/>
+                    <a:lumOff val="80000"/>
+                  </a:schemeClr>
+                </a:solidFill>
+              </a:rPr>
+              <a:t>fertile ground for bugs</a:t>
+            </a:r>
+          </a:p>
+        </p:txBody>
+      </p:sp>
+      <p:sp>
+        <p:nvSpPr>
+          <p:cNvPr id="4" name="Slide Number Placeholder 3"/>
+          <p:cNvSpPr>
+            <a:spLocks noGrp="1"/>
+          </p:cNvSpPr>
+          <p:nvPr>
+            <p:ph type="sldNum" sz="quarter" idx="10"/>
+          </p:nvPr>
+        </p:nvSpPr>
+        <p:spPr/>
+        <p:txBody>
+          <a:bodyPr/>
+          <a:lstStyle/>
+          <a:p>
+            <a:pPr>
+              <a:defRPr/>
+            </a:pPr>
+            <a:fld id="{58452FF4-89E3-4D1B-9927-2DBDC00E58D7}" type="slidenum">
+              <a:rPr lang="en-US" smtClean="0"/>
+              <a:pPr>
+                <a:defRPr/>
+              </a:pPr>
+              <a:t>20</a:t>
             </a:fld>
             <a:endParaRPr lang="en-US" dirty="0"/>
           </a:p>
@@ -15211,7 +14736,7 @@
 </p:sld>
 </file>
 
-<file path=ppt/slides/slide22.xml><?xml version="1.0" encoding="utf-8"?>
+<file path=ppt/slides/slide21.xml><?xml version="1.0" encoding="utf-8"?>
 <p:sld xmlns:a="http://schemas.openxmlformats.org/drawingml/2006/main" xmlns:r="http://schemas.openxmlformats.org/officeDocument/2006/relationships" xmlns:p="http://schemas.openxmlformats.org/presentationml/2006/main">
   <p:cSld>
     <p:spTree>
@@ -15251,7 +14776,7 @@
               <a:pPr>
                 <a:defRPr/>
               </a:pPr>
-              <a:t>22</a:t>
+              <a:t>21</a:t>
             </a:fld>
             <a:endParaRPr lang="en-US" dirty="0"/>
           </a:p>
@@ -15383,7 +14908,7 @@
 </p:sld>
 </file>
 
-<file path=ppt/slides/slide23.xml><?xml version="1.0" encoding="utf-8"?>
+<file path=ppt/slides/slide22.xml><?xml version="1.0" encoding="utf-8"?>
 <p:sld xmlns:a="http://schemas.openxmlformats.org/drawingml/2006/main" xmlns:r="http://schemas.openxmlformats.org/officeDocument/2006/relationships" xmlns:p="http://schemas.openxmlformats.org/presentationml/2006/main">
   <p:cSld>
     <p:spTree>
@@ -15661,7 +15186,7 @@
               <a:pPr>
                 <a:defRPr/>
               </a:pPr>
-              <a:t>23</a:t>
+              <a:t>22</a:t>
             </a:fld>
             <a:endParaRPr lang="en-US" dirty="0"/>
           </a:p>
@@ -15730,555 +15255,7 @@
 </p:sld>
 </file>
 
-<file path=ppt/slides/slide24.xml><?xml version="1.0" encoding="utf-8"?>
-<p:sld xmlns:a="http://schemas.openxmlformats.org/drawingml/2006/main" xmlns:r="http://schemas.openxmlformats.org/officeDocument/2006/relationships" xmlns:p="http://schemas.openxmlformats.org/presentationml/2006/main" show="0">
-  <p:cSld>
-    <p:spTree>
-      <p:nvGrpSpPr>
-        <p:cNvPr id="1" name=""/>
-        <p:cNvGrpSpPr/>
-        <p:nvPr/>
-      </p:nvGrpSpPr>
-      <p:grpSpPr>
-        <a:xfrm>
-          <a:off x="0" y="0"/>
-          <a:ext cx="0" cy="0"/>
-          <a:chOff x="0" y="0"/>
-          <a:chExt cx="0" cy="0"/>
-        </a:xfrm>
-      </p:grpSpPr>
-      <p:sp>
-        <p:nvSpPr>
-          <p:cNvPr id="2" name="Title 1"/>
-          <p:cNvSpPr>
-            <a:spLocks noGrp="1"/>
-          </p:cNvSpPr>
-          <p:nvPr>
-            <p:ph type="title"/>
-          </p:nvPr>
-        </p:nvSpPr>
-        <p:spPr/>
-        <p:txBody>
-          <a:bodyPr/>
-          <a:lstStyle/>
-          <a:p>
-            <a:r>
-              <a:rPr lang="fr-FR" dirty="0" smtClean="0"/>
-              <a:t>CD-R </a:t>
-            </a:r>
-            <a:r>
-              <a:rPr lang="fr-FR" dirty="0"/>
-              <a:t>W</a:t>
-            </a:r>
-            <a:r>
-              <a:rPr lang="fr-FR" dirty="0" smtClean="0"/>
-              <a:t>riting / </a:t>
-            </a:r>
-            <a:r>
-              <a:rPr lang="fr-FR" dirty="0"/>
-              <a:t>R</a:t>
-            </a:r>
-            <a:r>
-              <a:rPr lang="fr-FR" dirty="0" smtClean="0"/>
-              <a:t>eading</a:t>
-            </a:r>
-            <a:endParaRPr lang="en-US" dirty="0"/>
-          </a:p>
-        </p:txBody>
-      </p:sp>
-      <p:sp>
-        <p:nvSpPr>
-          <p:cNvPr id="3" name="Content Placeholder 2"/>
-          <p:cNvSpPr>
-            <a:spLocks noGrp="1"/>
-          </p:cNvSpPr>
-          <p:nvPr>
-            <p:ph idx="1"/>
-          </p:nvPr>
-        </p:nvSpPr>
-        <p:spPr/>
-        <p:txBody>
-          <a:bodyPr/>
-          <a:lstStyle/>
-          <a:p>
-            <a:pPr lvl="0">
-              <a:lnSpc>
-                <a:spcPct val="100000"/>
-              </a:lnSpc>
-            </a:pPr>
-            <a:r>
-              <a:rPr lang="bg-BG" dirty="0" smtClean="0"/>
-              <a:t>If a program reads and writes to a CD-R</a:t>
-            </a:r>
-            <a:r>
-              <a:rPr lang="en-US" dirty="0"/>
-              <a:t>:</a:t>
-            </a:r>
-            <a:endParaRPr lang="en-US" dirty="0" smtClean="0"/>
-          </a:p>
-          <a:p>
-            <a:pPr lvl="1">
-              <a:lnSpc>
-                <a:spcPct val="100000"/>
-              </a:lnSpc>
-            </a:pPr>
-            <a:r>
-              <a:rPr lang="en-US" dirty="0"/>
-              <a:t>T</a:t>
-            </a:r>
-            <a:r>
-              <a:rPr lang="bg-BG" dirty="0" smtClean="0"/>
-              <a:t>ry saving a file that's </a:t>
-            </a:r>
-            <a:r>
-              <a:rPr lang="bg-BG" dirty="0" smtClean="0">
-                <a:solidFill>
-                  <a:schemeClr val="accent5">
-                    <a:lumMod val="20000"/>
-                    <a:lumOff val="80000"/>
-                  </a:schemeClr>
-                </a:solidFill>
-              </a:rPr>
-              <a:t>very small</a:t>
-            </a:r>
-            <a:r>
-              <a:rPr lang="bg-BG" dirty="0" smtClean="0"/>
-              <a:t>, maybe with one entry</a:t>
-            </a:r>
-            <a:endParaRPr lang="en-US" dirty="0" smtClean="0"/>
-          </a:p>
-          <a:p>
-            <a:pPr lvl="1">
-              <a:lnSpc>
-                <a:spcPct val="100000"/>
-              </a:lnSpc>
-            </a:pPr>
-            <a:r>
-              <a:rPr lang="bg-BG" dirty="0" smtClean="0"/>
-              <a:t>Save a file that's </a:t>
-            </a:r>
-            <a:r>
-              <a:rPr lang="bg-BG" dirty="0" smtClean="0">
-                <a:solidFill>
-                  <a:schemeClr val="accent5">
-                    <a:lumMod val="20000"/>
-                    <a:lumOff val="80000"/>
-                  </a:schemeClr>
-                </a:solidFill>
-              </a:rPr>
-              <a:t>very large </a:t>
-            </a:r>
-            <a:r>
-              <a:rPr lang="bg-BG" dirty="0" smtClean="0"/>
-              <a:t>just at the limit for what the disc holds</a:t>
-            </a:r>
-            <a:endParaRPr lang="en-US" dirty="0" smtClean="0"/>
-          </a:p>
-          <a:p>
-            <a:pPr lvl="1">
-              <a:lnSpc>
-                <a:spcPct val="100000"/>
-              </a:lnSpc>
-            </a:pPr>
-            <a:r>
-              <a:rPr lang="en-US" dirty="0"/>
-              <a:t>T</a:t>
-            </a:r>
-            <a:r>
-              <a:rPr lang="bg-BG" dirty="0" smtClean="0"/>
-              <a:t>ry saving an </a:t>
-            </a:r>
-            <a:r>
-              <a:rPr lang="bg-BG" dirty="0" smtClean="0">
-                <a:solidFill>
-                  <a:schemeClr val="accent5">
-                    <a:lumMod val="20000"/>
-                    <a:lumOff val="80000"/>
-                  </a:schemeClr>
-                </a:solidFill>
-              </a:rPr>
-              <a:t>empty file </a:t>
-            </a:r>
-            <a:r>
-              <a:rPr lang="bg-BG" dirty="0" smtClean="0"/>
-              <a:t>and a file that's </a:t>
-            </a:r>
-            <a:r>
-              <a:rPr lang="bg-BG" dirty="0" smtClean="0">
-                <a:solidFill>
-                  <a:schemeClr val="accent5">
-                    <a:lumMod val="20000"/>
-                    <a:lumOff val="80000"/>
-                  </a:schemeClr>
-                </a:solidFill>
-              </a:rPr>
-              <a:t>too large </a:t>
-            </a:r>
-            <a:r>
-              <a:rPr lang="bg-BG" dirty="0" smtClean="0"/>
-              <a:t>to fit on the disc</a:t>
-            </a:r>
-          </a:p>
-        </p:txBody>
-      </p:sp>
-      <p:sp>
-        <p:nvSpPr>
-          <p:cNvPr id="4" name="Slide Number Placeholder 3"/>
-          <p:cNvSpPr>
-            <a:spLocks noGrp="1"/>
-          </p:cNvSpPr>
-          <p:nvPr>
-            <p:ph type="sldNum" sz="quarter" idx="10"/>
-          </p:nvPr>
-        </p:nvSpPr>
-        <p:spPr/>
-        <p:txBody>
-          <a:bodyPr/>
-          <a:lstStyle/>
-          <a:p>
-            <a:pPr>
-              <a:defRPr/>
-            </a:pPr>
-            <a:fld id="{58452FF4-89E3-4D1B-9927-2DBDC00E58D7}" type="slidenum">
-              <a:rPr lang="en-US" smtClean="0"/>
-              <a:pPr>
-                <a:defRPr/>
-              </a:pPr>
-              <a:t>24</a:t>
-            </a:fld>
-            <a:endParaRPr lang="en-US" dirty="0"/>
-          </a:p>
-        </p:txBody>
-      </p:sp>
-      <p:pic>
-        <p:nvPicPr>
-          <p:cNvPr id="5" name="Picture 4" descr="Quality%20Assurance_01.jpg"/>
-          <p:cNvPicPr>
-            <a:picLocks noChangeAspect="1"/>
-          </p:cNvPicPr>
-          <p:nvPr/>
-        </p:nvPicPr>
-        <p:blipFill>
-          <a:blip r:embed="rId3" cstate="screen">
-            <a:extLst>
-              <a:ext uri="{28A0092B-C50C-407E-A947-70E740481C1C}">
-                <a14:useLocalDpi xmlns:a14="http://schemas.microsoft.com/office/drawing/2010/main"/>
-              </a:ext>
-            </a:extLst>
-          </a:blip>
-          <a:stretch>
-            <a:fillRect/>
-          </a:stretch>
-        </p:blipFill>
-        <p:spPr>
-          <a:xfrm>
-            <a:off x="5486400" y="4675066"/>
-            <a:ext cx="2895600" cy="1725734"/>
-          </a:xfrm>
-          <a:prstGeom prst="roundRect">
-            <a:avLst>
-              <a:gd name="adj" fmla="val 7769"/>
-            </a:avLst>
-          </a:prstGeom>
-          <a:effectLst>
-            <a:glow rad="101600">
-              <a:schemeClr val="tx1">
-                <a:alpha val="60000"/>
-              </a:schemeClr>
-            </a:glow>
-          </a:effectLst>
-        </p:spPr>
-      </p:pic>
-    </p:spTree>
-    <p:extLst>
-      <p:ext uri="{BB962C8B-B14F-4D97-AF65-F5344CB8AC3E}">
-        <p14:creationId xmlns:p14="http://schemas.microsoft.com/office/powerpoint/2010/main" val="1731633230"/>
-      </p:ext>
-    </p:extLst>
-  </p:cSld>
-  <p:clrMapOvr>
-    <a:masterClrMapping/>
-  </p:clrMapOvr>
-  <mc:AlternateContent xmlns:mc="http://schemas.openxmlformats.org/markup-compatibility/2006">
-    <mc:Choice xmlns:p14="http://schemas.microsoft.com/office/powerpoint/2010/main" Requires="p14">
-      <p:transition spd="slow" p14:dur="2000"/>
-    </mc:Choice>
-    <mc:Fallback>
-      <p:transition spd="slow"/>
-    </mc:Fallback>
-  </mc:AlternateContent>
-  <p:timing>
-    <p:tnLst>
-      <p:par>
-        <p:cTn id="1" dur="indefinite" restart="never" nodeType="tmRoot"/>
-      </p:par>
-    </p:tnLst>
-  </p:timing>
-</p:sld>
-</file>
-
-<file path=ppt/slides/slide25.xml><?xml version="1.0" encoding="utf-8"?>
-<p:sld xmlns:a="http://schemas.openxmlformats.org/drawingml/2006/main" xmlns:r="http://schemas.openxmlformats.org/officeDocument/2006/relationships" xmlns:p="http://schemas.openxmlformats.org/presentationml/2006/main" show="0">
-  <p:cSld>
-    <p:spTree>
-      <p:nvGrpSpPr>
-        <p:cNvPr id="1" name=""/>
-        <p:cNvGrpSpPr/>
-        <p:nvPr/>
-      </p:nvGrpSpPr>
-      <p:grpSpPr>
-        <a:xfrm>
-          <a:off x="0" y="0"/>
-          <a:ext cx="0" cy="0"/>
-          <a:chOff x="0" y="0"/>
-          <a:chExt cx="0" cy="0"/>
-        </a:xfrm>
-      </p:grpSpPr>
-      <p:sp>
-        <p:nvSpPr>
-          <p:cNvPr id="2" name="Title 1"/>
-          <p:cNvSpPr>
-            <a:spLocks noGrp="1"/>
-          </p:cNvSpPr>
-          <p:nvPr>
-            <p:ph type="title"/>
-          </p:nvPr>
-        </p:nvSpPr>
-        <p:spPr/>
-        <p:txBody>
-          <a:bodyPr/>
-          <a:lstStyle/>
-          <a:p>
-            <a:r>
-              <a:rPr lang="en-US" dirty="0" smtClean="0"/>
-              <a:t>Printing</a:t>
-            </a:r>
-            <a:endParaRPr lang="en-US" dirty="0"/>
-          </a:p>
-        </p:txBody>
-      </p:sp>
-      <p:sp>
-        <p:nvSpPr>
-          <p:cNvPr id="3" name="Content Placeholder 2"/>
-          <p:cNvSpPr>
-            <a:spLocks noGrp="1"/>
-          </p:cNvSpPr>
-          <p:nvPr>
-            <p:ph idx="1"/>
-          </p:nvPr>
-        </p:nvSpPr>
-        <p:spPr/>
-        <p:txBody>
-          <a:bodyPr/>
-          <a:lstStyle/>
-          <a:p>
-            <a:pPr lvl="0">
-              <a:lnSpc>
-                <a:spcPct val="100000"/>
-              </a:lnSpc>
-            </a:pPr>
-            <a:r>
-              <a:rPr lang="bg-BG" dirty="0" smtClean="0"/>
-              <a:t>If a program allows you to print multiple pages onto a single page</a:t>
-            </a:r>
-            <a:r>
-              <a:rPr lang="en-US" dirty="0" smtClean="0"/>
-              <a:t>:</a:t>
-            </a:r>
-          </a:p>
-          <a:p>
-            <a:pPr lvl="1">
-              <a:lnSpc>
-                <a:spcPct val="100000"/>
-              </a:lnSpc>
-            </a:pPr>
-            <a:r>
-              <a:rPr lang="en-US" dirty="0"/>
-              <a:t>T</a:t>
-            </a:r>
-            <a:r>
-              <a:rPr lang="bg-BG" dirty="0" smtClean="0"/>
-              <a:t>ry printing </a:t>
-            </a:r>
-            <a:r>
-              <a:rPr lang="bg-BG" dirty="0" smtClean="0">
-                <a:solidFill>
-                  <a:schemeClr val="accent5">
-                    <a:lumMod val="20000"/>
-                    <a:lumOff val="80000"/>
-                  </a:schemeClr>
-                </a:solidFill>
-              </a:rPr>
-              <a:t>just one </a:t>
-            </a:r>
-            <a:r>
-              <a:rPr lang="bg-BG" dirty="0" smtClean="0"/>
-              <a:t>(the standard case)</a:t>
-            </a:r>
-            <a:endParaRPr lang="en-US" dirty="0" smtClean="0"/>
-          </a:p>
-          <a:p>
-            <a:pPr lvl="1">
-              <a:lnSpc>
-                <a:spcPct val="100000"/>
-              </a:lnSpc>
-            </a:pPr>
-            <a:r>
-              <a:rPr lang="en-US" dirty="0"/>
-              <a:t>T</a:t>
-            </a:r>
-            <a:r>
-              <a:rPr lang="bg-BG" dirty="0" smtClean="0"/>
-              <a:t>ry printing the </a:t>
-            </a:r>
-            <a:r>
-              <a:rPr lang="bg-BG" dirty="0" smtClean="0">
-                <a:solidFill>
-                  <a:schemeClr val="accent5">
-                    <a:lumMod val="20000"/>
-                    <a:lumOff val="80000"/>
-                  </a:schemeClr>
-                </a:solidFill>
-              </a:rPr>
-              <a:t>most pages that it allows</a:t>
-            </a:r>
-            <a:endParaRPr lang="en-US" dirty="0" smtClean="0"/>
-          </a:p>
-          <a:p>
-            <a:pPr lvl="1">
-              <a:lnSpc>
-                <a:spcPct val="100000"/>
-              </a:lnSpc>
-            </a:pPr>
-            <a:r>
-              <a:rPr lang="bg-BG" dirty="0" smtClean="0"/>
-              <a:t>If you can, try </a:t>
-            </a:r>
-            <a:r>
-              <a:rPr lang="bg-BG" dirty="0" smtClean="0">
-                <a:solidFill>
-                  <a:schemeClr val="accent5">
-                    <a:lumMod val="20000"/>
-                    <a:lumOff val="80000"/>
-                  </a:schemeClr>
-                </a:solidFill>
-              </a:rPr>
-              <a:t>printing zero pages</a:t>
-            </a:r>
-            <a:r>
-              <a:rPr lang="bg-BG" dirty="0" smtClean="0"/>
-              <a:t> and </a:t>
-            </a:r>
-            <a:r>
-              <a:rPr lang="bg-BG" dirty="0" smtClean="0">
-                <a:solidFill>
-                  <a:schemeClr val="accent5">
-                    <a:lumMod val="20000"/>
-                    <a:lumOff val="80000"/>
-                  </a:schemeClr>
-                </a:solidFill>
-              </a:rPr>
-              <a:t>one more than it allows</a:t>
-            </a:r>
-            <a:endParaRPr lang="bg-BG" dirty="0" smtClean="0"/>
-          </a:p>
-        </p:txBody>
-      </p:sp>
-      <p:sp>
-        <p:nvSpPr>
-          <p:cNvPr id="4" name="Slide Number Placeholder 3"/>
-          <p:cNvSpPr>
-            <a:spLocks noGrp="1"/>
-          </p:cNvSpPr>
-          <p:nvPr>
-            <p:ph type="sldNum" sz="quarter" idx="10"/>
-          </p:nvPr>
-        </p:nvSpPr>
-        <p:spPr/>
-        <p:txBody>
-          <a:bodyPr/>
-          <a:lstStyle/>
-          <a:p>
-            <a:pPr>
-              <a:defRPr/>
-            </a:pPr>
-            <a:fld id="{58452FF4-89E3-4D1B-9927-2DBDC00E58D7}" type="slidenum">
-              <a:rPr lang="en-US" smtClean="0"/>
-              <a:pPr>
-                <a:defRPr/>
-              </a:pPr>
-              <a:t>25</a:t>
-            </a:fld>
-            <a:endParaRPr lang="en-US" dirty="0"/>
-          </a:p>
-        </p:txBody>
-      </p:sp>
-      <p:pic>
-        <p:nvPicPr>
-          <p:cNvPr id="5" name="Picture 4" descr="printer-icon.gif"/>
-          <p:cNvPicPr>
-            <a:picLocks noChangeAspect="1"/>
-          </p:cNvPicPr>
-          <p:nvPr/>
-        </p:nvPicPr>
-        <p:blipFill>
-          <a:blip r:embed="rId3" cstate="screen">
-            <a:extLst>
-              <a:ext uri="{28A0092B-C50C-407E-A947-70E740481C1C}">
-                <a14:useLocalDpi xmlns:a14="http://schemas.microsoft.com/office/drawing/2010/main"/>
-              </a:ext>
-            </a:extLst>
-          </a:blip>
-          <a:stretch>
-            <a:fillRect/>
-          </a:stretch>
-        </p:blipFill>
-        <p:spPr>
-          <a:xfrm>
-            <a:off x="5562600" y="4114800"/>
-            <a:ext cx="2708931" cy="2286000"/>
-          </a:xfrm>
-          <a:prstGeom prst="rect">
-            <a:avLst/>
-          </a:prstGeom>
-          <a:effectLst>
-            <a:glow rad="101600">
-              <a:schemeClr val="tx1">
-                <a:alpha val="60000"/>
-              </a:schemeClr>
-            </a:glow>
-          </a:effectLst>
-        </p:spPr>
-      </p:pic>
-    </p:spTree>
-    <p:extLst>
-      <p:ext uri="{BB962C8B-B14F-4D97-AF65-F5344CB8AC3E}">
-        <p14:creationId xmlns:p14="http://schemas.microsoft.com/office/powerpoint/2010/main" val="1577595425"/>
-      </p:ext>
-    </p:extLst>
-  </p:cSld>
-  <p:clrMapOvr>
-    <a:masterClrMapping/>
-  </p:clrMapOvr>
-  <mc:AlternateContent xmlns:mc="http://schemas.openxmlformats.org/markup-compatibility/2006">
-    <mc:Choice xmlns:p14="http://schemas.microsoft.com/office/powerpoint/2010/main" Requires="p14">
-      <p:transition spd="slow" p14:dur="2000"/>
-    </mc:Choice>
-    <mc:Fallback>
-      <p:transition spd="slow"/>
-    </mc:Fallback>
-  </mc:AlternateContent>
-  <p:timing>
-    <p:tnLst>
-      <p:par>
-        <p:cTn id="1" dur="indefinite" restart="never" nodeType="tmRoot"/>
-      </p:par>
-    </p:tnLst>
-  </p:timing>
-</p:sld>
-</file>
-
-<file path=ppt/slides/slide26.xml><?xml version="1.0" encoding="utf-8"?>
+<file path=ppt/slides/slide23.xml><?xml version="1.0" encoding="utf-8"?>
 <p:sld xmlns:a="http://schemas.openxmlformats.org/drawingml/2006/main" xmlns:r="http://schemas.openxmlformats.org/officeDocument/2006/relationships" xmlns:p="http://schemas.openxmlformats.org/presentationml/2006/main">
   <p:cSld>
     <p:spTree>
@@ -16593,7 +15570,7 @@
               <a:pPr>
                 <a:defRPr/>
               </a:pPr>
-              <a:t>26</a:t>
+              <a:t>23</a:t>
             </a:fld>
             <a:endParaRPr lang="en-US" dirty="0"/>
           </a:p>
@@ -16665,7 +15642,7 @@
 </p:sld>
 </file>
 
-<file path=ppt/slides/slide27.xml><?xml version="1.0" encoding="utf-8"?>
+<file path=ppt/slides/slide24.xml><?xml version="1.0" encoding="utf-8"?>
 <p:sld xmlns:a="http://schemas.openxmlformats.org/drawingml/2006/main" xmlns:r="http://schemas.openxmlformats.org/officeDocument/2006/relationships" xmlns:p="http://schemas.openxmlformats.org/presentationml/2006/main">
   <p:cSld>
     <p:spTree>
@@ -17074,7 +16051,7 @@
               <a:pPr>
                 <a:defRPr/>
               </a:pPr>
-              <a:t>27</a:t>
+              <a:t>24</a:t>
             </a:fld>
             <a:endParaRPr lang="en-US" dirty="0"/>
           </a:p>
@@ -17139,7 +16116,7 @@
 </p:sld>
 </file>
 
-<file path=ppt/slides/slide28.xml><?xml version="1.0" encoding="utf-8"?>
+<file path=ppt/slides/slide25.xml><?xml version="1.0" encoding="utf-8"?>
 <p:sld xmlns:a="http://schemas.openxmlformats.org/drawingml/2006/main" xmlns:r="http://schemas.openxmlformats.org/officeDocument/2006/relationships" xmlns:p="http://schemas.openxmlformats.org/presentationml/2006/main">
   <p:cSld>
     <p:spTree>
@@ -17220,7 +16197,7 @@
               <a:pPr>
                 <a:defRPr/>
               </a:pPr>
-              <a:t>28</a:t>
+              <a:t>25</a:t>
             </a:fld>
             <a:endParaRPr lang="en-US" dirty="0"/>
           </a:p>
@@ -17314,7 +16291,7 @@
 </p:sld>
 </file>
 
-<file path=ppt/slides/slide29.xml><?xml version="1.0" encoding="utf-8"?>
+<file path=ppt/slides/slide26.xml><?xml version="1.0" encoding="utf-8"?>
 <p:sld xmlns:a="http://schemas.openxmlformats.org/drawingml/2006/main" xmlns:r="http://schemas.openxmlformats.org/officeDocument/2006/relationships" xmlns:p="http://schemas.openxmlformats.org/presentationml/2006/main">
   <p:cSld>
     <p:spTree>
@@ -17507,7 +16484,7 @@
               <a:pPr>
                 <a:defRPr/>
               </a:pPr>
-              <a:t>29</a:t>
+              <a:t>26</a:t>
             </a:fld>
             <a:endParaRPr lang="en-US" dirty="0"/>
           </a:p>
@@ -17582,7 +16559,7 @@
 </p:sld>
 </file>
 
-<file path=ppt/slides/slide3.xml><?xml version="1.0" encoding="utf-8"?>
+<file path=ppt/slides/slide27.xml><?xml version="1.0" encoding="utf-8"?>
 <p:sld xmlns:a="http://schemas.openxmlformats.org/drawingml/2006/main" xmlns:r="http://schemas.openxmlformats.org/officeDocument/2006/relationships" xmlns:p="http://schemas.openxmlformats.org/presentationml/2006/main">
   <p:cSld>
     <p:spTree>
@@ -17615,9 +16592,10 @@
           <a:lstStyle/>
           <a:p>
             <a:r>
-              <a:rPr lang="en-US" dirty="0"/>
-              <a:t>Table of Contents</a:t>
-            </a:r>
+              <a:rPr lang="en-US" dirty="0" smtClean="0"/>
+              <a:t>The Coverage Criterion</a:t>
+            </a:r>
+            <a:endParaRPr lang="en-US" dirty="0"/>
           </a:p>
         </p:txBody>
       </p:sp>
@@ -17643,7 +16621,63 @@
             </a:pPr>
             <a:r>
               <a:rPr lang="en-US" dirty="0"/>
-              <a:t>Boundary Value Analysis – Main Concepts</a:t>
+              <a:t>E</a:t>
+            </a:r>
+            <a:r>
+              <a:rPr lang="bg-BG" dirty="0" smtClean="0"/>
+              <a:t>ach boundary value </a:t>
+            </a:r>
+            <a:r>
+              <a:rPr lang="en-US" dirty="0" smtClean="0"/>
+              <a:t>must be represented </a:t>
+            </a:r>
+            <a:r>
+              <a:rPr lang="bg-BG" dirty="0" smtClean="0"/>
+              <a:t>in </a:t>
+            </a:r>
+            <a:r>
+              <a:rPr lang="bg-BG" dirty="0" smtClean="0">
+                <a:solidFill>
+                  <a:schemeClr val="accent5">
+                    <a:lumMod val="20000"/>
+                    <a:lumOff val="80000"/>
+                  </a:schemeClr>
+                </a:solidFill>
+              </a:rPr>
+              <a:t>a</a:t>
+            </a:r>
+            <a:r>
+              <a:rPr lang="en-US" dirty="0" smtClean="0">
+                <a:solidFill>
+                  <a:schemeClr val="accent5">
+                    <a:lumMod val="20000"/>
+                    <a:lumOff val="80000"/>
+                  </a:schemeClr>
+                </a:solidFill>
+              </a:rPr>
+              <a:t>t least one</a:t>
+            </a:r>
+            <a:r>
+              <a:rPr lang="bg-BG" dirty="0" smtClean="0">
+                <a:solidFill>
+                  <a:schemeClr val="accent5">
+                    <a:lumMod val="20000"/>
+                    <a:lumOff val="80000"/>
+                  </a:schemeClr>
+                </a:solidFill>
+              </a:rPr>
+              <a:t> test cas</a:t>
+            </a:r>
+            <a:r>
+              <a:rPr lang="en-US" dirty="0" smtClean="0">
+                <a:solidFill>
+                  <a:schemeClr val="accent5">
+                    <a:lumMod val="20000"/>
+                    <a:lumOff val="80000"/>
+                  </a:schemeClr>
+                </a:solidFill>
+              </a:rPr>
+              <a:t>e</a:t>
             </a:r>
           </a:p>
           <a:p>
@@ -17653,73 +16687,9 @@
               </a:lnSpc>
             </a:pPr>
             <a:r>
-              <a:rPr lang="en-US" dirty="0"/>
-              <a:t>Boundary Values and Conditions</a:t>
-            </a:r>
-          </a:p>
-          <a:p>
-            <a:pPr lvl="1">
-              <a:lnSpc>
-                <a:spcPct val="100000"/>
-              </a:lnSpc>
-            </a:pPr>
-            <a:r>
-              <a:rPr lang="en-US" dirty="0"/>
-              <a:t>Ordered Sets</a:t>
-            </a:r>
-          </a:p>
-          <a:p>
-            <a:pPr>
-              <a:lnSpc>
-                <a:spcPct val="100000"/>
-              </a:lnSpc>
-            </a:pPr>
-            <a:r>
               <a:rPr lang="en-US" dirty="0" smtClean="0"/>
-              <a:t>How </a:t>
-            </a:r>
-            <a:r>
-              <a:rPr lang="en-US" dirty="0"/>
-              <a:t>many Boundary Values?</a:t>
-            </a:r>
-          </a:p>
-          <a:p>
-            <a:pPr>
-              <a:lnSpc>
-                <a:spcPct val="100000"/>
-              </a:lnSpc>
-            </a:pPr>
-            <a:r>
-              <a:rPr lang="en-US" dirty="0"/>
-              <a:t>BVA With Floating Point Data</a:t>
-            </a:r>
-          </a:p>
-          <a:p>
-            <a:pPr>
-              <a:lnSpc>
-                <a:spcPct val="100000"/>
-              </a:lnSpc>
-            </a:pPr>
-            <a:r>
-              <a:rPr lang="en-US" dirty="0"/>
-              <a:t>Examples of Boundary Conditions</a:t>
-            </a:r>
-          </a:p>
-          <a:p>
-            <a:pPr>
-              <a:lnSpc>
-                <a:spcPct val="100000"/>
-              </a:lnSpc>
-            </a:pPr>
-            <a:r>
-              <a:rPr lang="en-US" dirty="0"/>
-              <a:t>Deriving Test Cases With </a:t>
-            </a:r>
-            <a:r>
-              <a:rPr lang="en-US" dirty="0" smtClean="0"/>
-              <a:t>BVA</a:t>
-            </a:r>
-            <a:endParaRPr lang="en-US" dirty="0"/>
+              <a:t>Both – valid and invalid test cases</a:t>
+            </a:r>
           </a:p>
         </p:txBody>
       </p:sp>
@@ -17746,233 +16716,7 @@
               <a:pPr>
                 <a:defRPr/>
               </a:pPr>
-              <a:t>3</a:t>
-            </a:fld>
-            <a:endParaRPr lang="en-US" dirty="0"/>
-          </a:p>
-        </p:txBody>
-      </p:sp>
-      <p:pic>
-        <p:nvPicPr>
-          <p:cNvPr id="5" name="Picture 4" descr="info.jpg"/>
-          <p:cNvPicPr>
-            <a:picLocks noChangeAspect="1"/>
-          </p:cNvPicPr>
-          <p:nvPr/>
-        </p:nvPicPr>
-        <p:blipFill>
-          <a:blip r:embed="rId3" cstate="screen">
-            <a:extLst>
-              <a:ext uri="{28A0092B-C50C-407E-A947-70E740481C1C}">
-                <a14:useLocalDpi xmlns:a14="http://schemas.microsoft.com/office/drawing/2010/main"/>
-              </a:ext>
-            </a:extLst>
-          </a:blip>
-          <a:stretch>
-            <a:fillRect/>
-          </a:stretch>
-        </p:blipFill>
-        <p:spPr>
-          <a:xfrm>
-            <a:off x="6248400" y="1981200"/>
-            <a:ext cx="2438400" cy="2438400"/>
-          </a:xfrm>
-          <a:prstGeom prst="ellipse">
-            <a:avLst/>
-          </a:prstGeom>
-          <a:effectLst>
-            <a:glow rad="101600">
-              <a:schemeClr val="tx1">
-                <a:alpha val="60000"/>
-              </a:schemeClr>
-            </a:glow>
-            <a:reflection blurRad="6350" stA="50000" endA="300" endPos="38500" dist="50800" dir="5400000" sy="-100000" algn="bl" rotWithShape="0"/>
-            <a:softEdge rad="31750"/>
-          </a:effectLst>
-          <a:scene3d>
-            <a:camera prst="perspectiveContrastingLeftFacing"/>
-            <a:lightRig rig="threePt" dir="t"/>
-          </a:scene3d>
-        </p:spPr>
-      </p:pic>
-    </p:spTree>
-    <p:extLst>
-      <p:ext uri="{BB962C8B-B14F-4D97-AF65-F5344CB8AC3E}">
-        <p14:creationId xmlns:p14="http://schemas.microsoft.com/office/powerpoint/2010/main" val="1965103501"/>
-      </p:ext>
-    </p:extLst>
-  </p:cSld>
-  <p:clrMapOvr>
-    <a:masterClrMapping/>
-  </p:clrMapOvr>
-  <p:timing>
-    <p:tnLst>
-      <p:par>
-        <p:cTn id="1" dur="indefinite" restart="never" nodeType="tmRoot"/>
-      </p:par>
-    </p:tnLst>
-  </p:timing>
-</p:sld>
-</file>
-
-<file path=ppt/slides/slide30.xml><?xml version="1.0" encoding="utf-8"?>
-<p:sld xmlns:a="http://schemas.openxmlformats.org/drawingml/2006/main" xmlns:r="http://schemas.openxmlformats.org/officeDocument/2006/relationships" xmlns:p="http://schemas.openxmlformats.org/presentationml/2006/main">
-  <p:cSld>
-    <p:spTree>
-      <p:nvGrpSpPr>
-        <p:cNvPr id="1" name=""/>
-        <p:cNvGrpSpPr/>
-        <p:nvPr/>
-      </p:nvGrpSpPr>
-      <p:grpSpPr>
-        <a:xfrm>
-          <a:off x="0" y="0"/>
-          <a:ext cx="0" cy="0"/>
-          <a:chOff x="0" y="0"/>
-          <a:chExt cx="0" cy="0"/>
-        </a:xfrm>
-      </p:grpSpPr>
-      <p:sp>
-        <p:nvSpPr>
-          <p:cNvPr id="2" name="Title 1"/>
-          <p:cNvSpPr>
-            <a:spLocks noGrp="1"/>
-          </p:cNvSpPr>
-          <p:nvPr>
-            <p:ph type="title"/>
-          </p:nvPr>
-        </p:nvSpPr>
-        <p:spPr/>
-        <p:txBody>
-          <a:bodyPr/>
-          <a:lstStyle/>
-          <a:p>
-            <a:r>
-              <a:rPr lang="en-US" dirty="0" smtClean="0"/>
-              <a:t>The Coverage Criterion</a:t>
-            </a:r>
-            <a:endParaRPr lang="en-US" dirty="0"/>
-          </a:p>
-        </p:txBody>
-      </p:sp>
-      <p:sp>
-        <p:nvSpPr>
-          <p:cNvPr id="3" name="Content Placeholder 2"/>
-          <p:cNvSpPr>
-            <a:spLocks noGrp="1"/>
-          </p:cNvSpPr>
-          <p:nvPr>
-            <p:ph idx="1"/>
-          </p:nvPr>
-        </p:nvSpPr>
-        <p:spPr/>
-        <p:txBody>
-          <a:bodyPr/>
-          <a:lstStyle/>
-          <a:p>
-            <a:pPr>
-              <a:lnSpc>
-                <a:spcPct val="100000"/>
-              </a:lnSpc>
-            </a:pPr>
-            <a:r>
-              <a:rPr lang="en-US" dirty="0"/>
-              <a:t>E</a:t>
-            </a:r>
-            <a:r>
-              <a:rPr lang="bg-BG" dirty="0" smtClean="0"/>
-              <a:t>ach boundary value </a:t>
-            </a:r>
-            <a:r>
-              <a:rPr lang="en-US" dirty="0" smtClean="0"/>
-              <a:t>must be represented </a:t>
-            </a:r>
-            <a:r>
-              <a:rPr lang="bg-BG" dirty="0" smtClean="0"/>
-              <a:t>in </a:t>
-            </a:r>
-            <a:r>
-              <a:rPr lang="bg-BG" dirty="0" smtClean="0">
-                <a:solidFill>
-                  <a:schemeClr val="accent5">
-                    <a:lumMod val="20000"/>
-                    <a:lumOff val="80000"/>
-                  </a:schemeClr>
-                </a:solidFill>
-              </a:rPr>
-              <a:t>a</a:t>
-            </a:r>
-            <a:r>
-              <a:rPr lang="en-US" dirty="0" smtClean="0">
-                <a:solidFill>
-                  <a:schemeClr val="accent5">
-                    <a:lumMod val="20000"/>
-                    <a:lumOff val="80000"/>
-                  </a:schemeClr>
-                </a:solidFill>
-              </a:rPr>
-              <a:t>t least one</a:t>
-            </a:r>
-            <a:r>
-              <a:rPr lang="bg-BG" dirty="0" smtClean="0">
-                <a:solidFill>
-                  <a:schemeClr val="accent5">
-                    <a:lumMod val="20000"/>
-                    <a:lumOff val="80000"/>
-                  </a:schemeClr>
-                </a:solidFill>
-              </a:rPr>
-              <a:t> test cas</a:t>
-            </a:r>
-            <a:r>
-              <a:rPr lang="en-US" dirty="0" smtClean="0">
-                <a:solidFill>
-                  <a:schemeClr val="accent5">
-                    <a:lumMod val="20000"/>
-                    <a:lumOff val="80000"/>
-                  </a:schemeClr>
-                </a:solidFill>
-              </a:rPr>
-              <a:t>e</a:t>
-            </a:r>
-          </a:p>
-          <a:p>
-            <a:pPr lvl="1">
-              <a:lnSpc>
-                <a:spcPct val="100000"/>
-              </a:lnSpc>
-            </a:pPr>
-            <a:r>
-              <a:rPr lang="en-US" dirty="0" smtClean="0"/>
-              <a:t>Both – valid and invalid test cases</a:t>
-            </a:r>
-          </a:p>
-        </p:txBody>
-      </p:sp>
-      <p:sp>
-        <p:nvSpPr>
-          <p:cNvPr id="4" name="Slide Number Placeholder 3"/>
-          <p:cNvSpPr>
-            <a:spLocks noGrp="1"/>
-          </p:cNvSpPr>
-          <p:nvPr>
-            <p:ph type="sldNum" sz="quarter" idx="10"/>
-          </p:nvPr>
-        </p:nvSpPr>
-        <p:spPr/>
-        <p:txBody>
-          <a:bodyPr/>
-          <a:lstStyle/>
-          <a:p>
-            <a:pPr>
-              <a:defRPr/>
-            </a:pPr>
-            <a:fld id="{58452FF4-89E3-4D1B-9927-2DBDC00E58D7}" type="slidenum">
-              <a:rPr lang="en-US" smtClean="0"/>
-              <a:pPr>
-                <a:defRPr/>
-              </a:pPr>
-              <a:t>30</a:t>
+              <a:t>27</a:t>
             </a:fld>
             <a:endParaRPr lang="en-US" dirty="0"/>
           </a:p>
@@ -18103,7 +16847,7 @@
 </p:sld>
 </file>
 
-<file path=ppt/slides/slide31.xml><?xml version="1.0" encoding="utf-8"?>
+<file path=ppt/slides/slide28.xml><?xml version="1.0" encoding="utf-8"?>
 <p:sld xmlns:a="http://schemas.openxmlformats.org/drawingml/2006/main" xmlns:r="http://schemas.openxmlformats.org/officeDocument/2006/relationships" xmlns:p="http://schemas.openxmlformats.org/presentationml/2006/main">
   <p:cSld>
     <p:spTree>
@@ -18327,7 +17071,7 @@
               <a:pPr>
                 <a:defRPr/>
               </a:pPr>
-              <a:t>31</a:t>
+              <a:t>28</a:t>
             </a:fld>
             <a:endParaRPr lang="en-US" dirty="0"/>
           </a:p>
@@ -18390,7 +17134,7 @@
 </p:sld>
 </file>
 
-<file path=ppt/slides/slide32.xml><?xml version="1.0" encoding="utf-8"?>
+<file path=ppt/slides/slide29.xml><?xml version="1.0" encoding="utf-8"?>
 <p:sld xmlns:a="http://schemas.openxmlformats.org/drawingml/2006/main" xmlns:r="http://schemas.openxmlformats.org/officeDocument/2006/relationships" xmlns:p="http://schemas.openxmlformats.org/presentationml/2006/main">
   <p:cSld>
     <p:spTree>
@@ -18430,7 +17174,7 @@
               <a:pPr>
                 <a:defRPr/>
               </a:pPr>
-              <a:t>32</a:t>
+              <a:t>29</a:t>
             </a:fld>
             <a:endParaRPr lang="en-US" dirty="0"/>
           </a:p>
@@ -18597,7 +17341,240 @@
 </p:sld>
 </file>
 
-<file path=ppt/slides/slide33.xml><?xml version="1.0" encoding="utf-8"?>
+<file path=ppt/slides/slide3.xml><?xml version="1.0" encoding="utf-8"?>
+<p:sld xmlns:a="http://schemas.openxmlformats.org/drawingml/2006/main" xmlns:r="http://schemas.openxmlformats.org/officeDocument/2006/relationships" xmlns:p="http://schemas.openxmlformats.org/presentationml/2006/main">
+  <p:cSld>
+    <p:spTree>
+      <p:nvGrpSpPr>
+        <p:cNvPr id="1" name=""/>
+        <p:cNvGrpSpPr/>
+        <p:nvPr/>
+      </p:nvGrpSpPr>
+      <p:grpSpPr>
+        <a:xfrm>
+          <a:off x="0" y="0"/>
+          <a:ext cx="0" cy="0"/>
+          <a:chOff x="0" y="0"/>
+          <a:chExt cx="0" cy="0"/>
+        </a:xfrm>
+      </p:grpSpPr>
+      <p:sp>
+        <p:nvSpPr>
+          <p:cNvPr id="2" name="Title 1"/>
+          <p:cNvSpPr>
+            <a:spLocks noGrp="1"/>
+          </p:cNvSpPr>
+          <p:nvPr>
+            <p:ph type="title"/>
+          </p:nvPr>
+        </p:nvSpPr>
+        <p:spPr/>
+        <p:txBody>
+          <a:bodyPr/>
+          <a:lstStyle/>
+          <a:p>
+            <a:r>
+              <a:rPr lang="en-US" dirty="0"/>
+              <a:t>Table of Contents</a:t>
+            </a:r>
+          </a:p>
+        </p:txBody>
+      </p:sp>
+      <p:sp>
+        <p:nvSpPr>
+          <p:cNvPr id="3" name="Content Placeholder 2"/>
+          <p:cNvSpPr>
+            <a:spLocks noGrp="1"/>
+          </p:cNvSpPr>
+          <p:nvPr>
+            <p:ph idx="1"/>
+          </p:nvPr>
+        </p:nvSpPr>
+        <p:spPr/>
+        <p:txBody>
+          <a:bodyPr/>
+          <a:lstStyle/>
+          <a:p>
+            <a:pPr>
+              <a:lnSpc>
+                <a:spcPct val="100000"/>
+              </a:lnSpc>
+            </a:pPr>
+            <a:r>
+              <a:rPr lang="en-US" dirty="0"/>
+              <a:t>Boundary Value Analysis – Main Concepts</a:t>
+            </a:r>
+          </a:p>
+          <a:p>
+            <a:pPr lvl="1">
+              <a:lnSpc>
+                <a:spcPct val="100000"/>
+              </a:lnSpc>
+            </a:pPr>
+            <a:r>
+              <a:rPr lang="en-US" dirty="0"/>
+              <a:t>Boundary Values and Conditions</a:t>
+            </a:r>
+          </a:p>
+          <a:p>
+            <a:pPr lvl="1">
+              <a:lnSpc>
+                <a:spcPct val="100000"/>
+              </a:lnSpc>
+            </a:pPr>
+            <a:r>
+              <a:rPr lang="en-US" dirty="0"/>
+              <a:t>Ordered Sets</a:t>
+            </a:r>
+          </a:p>
+          <a:p>
+            <a:pPr>
+              <a:lnSpc>
+                <a:spcPct val="100000"/>
+              </a:lnSpc>
+            </a:pPr>
+            <a:r>
+              <a:rPr lang="en-US" dirty="0" smtClean="0"/>
+              <a:t>How </a:t>
+            </a:r>
+            <a:r>
+              <a:rPr lang="en-US" dirty="0"/>
+              <a:t>many Boundary Values?</a:t>
+            </a:r>
+          </a:p>
+          <a:p>
+            <a:pPr>
+              <a:lnSpc>
+                <a:spcPct val="100000"/>
+              </a:lnSpc>
+            </a:pPr>
+            <a:r>
+              <a:rPr lang="en-US" dirty="0"/>
+              <a:t>BVA With Floating Point Data</a:t>
+            </a:r>
+          </a:p>
+          <a:p>
+            <a:pPr>
+              <a:lnSpc>
+                <a:spcPct val="100000"/>
+              </a:lnSpc>
+            </a:pPr>
+            <a:r>
+              <a:rPr lang="en-US" dirty="0"/>
+              <a:t>Examples of Boundary Conditions</a:t>
+            </a:r>
+          </a:p>
+          <a:p>
+            <a:pPr>
+              <a:lnSpc>
+                <a:spcPct val="100000"/>
+              </a:lnSpc>
+            </a:pPr>
+            <a:r>
+              <a:rPr lang="en-US" dirty="0"/>
+              <a:t>Deriving Test Cases With </a:t>
+            </a:r>
+            <a:r>
+              <a:rPr lang="en-US" dirty="0" smtClean="0"/>
+              <a:t>BVA</a:t>
+            </a:r>
+            <a:endParaRPr lang="en-US" dirty="0"/>
+          </a:p>
+        </p:txBody>
+      </p:sp>
+      <p:sp>
+        <p:nvSpPr>
+          <p:cNvPr id="4" name="Slide Number Placeholder 3"/>
+          <p:cNvSpPr>
+            <a:spLocks noGrp="1"/>
+          </p:cNvSpPr>
+          <p:nvPr>
+            <p:ph type="sldNum" sz="quarter" idx="10"/>
+          </p:nvPr>
+        </p:nvSpPr>
+        <p:spPr/>
+        <p:txBody>
+          <a:bodyPr/>
+          <a:lstStyle/>
+          <a:p>
+            <a:pPr>
+              <a:defRPr/>
+            </a:pPr>
+            <a:fld id="{58452FF4-89E3-4D1B-9927-2DBDC00E58D7}" type="slidenum">
+              <a:rPr lang="en-US" smtClean="0"/>
+              <a:pPr>
+                <a:defRPr/>
+              </a:pPr>
+              <a:t>3</a:t>
+            </a:fld>
+            <a:endParaRPr lang="en-US" dirty="0"/>
+          </a:p>
+        </p:txBody>
+      </p:sp>
+      <p:pic>
+        <p:nvPicPr>
+          <p:cNvPr id="5" name="Picture 4" descr="info.jpg"/>
+          <p:cNvPicPr>
+            <a:picLocks noChangeAspect="1"/>
+          </p:cNvPicPr>
+          <p:nvPr/>
+        </p:nvPicPr>
+        <p:blipFill>
+          <a:blip r:embed="rId3" cstate="screen">
+            <a:extLst>
+              <a:ext uri="{28A0092B-C50C-407E-A947-70E740481C1C}">
+                <a14:useLocalDpi xmlns:a14="http://schemas.microsoft.com/office/drawing/2010/main"/>
+              </a:ext>
+            </a:extLst>
+          </a:blip>
+          <a:stretch>
+            <a:fillRect/>
+          </a:stretch>
+        </p:blipFill>
+        <p:spPr>
+          <a:xfrm>
+            <a:off x="6248400" y="1981200"/>
+            <a:ext cx="2438400" cy="2438400"/>
+          </a:xfrm>
+          <a:prstGeom prst="ellipse">
+            <a:avLst/>
+          </a:prstGeom>
+          <a:effectLst>
+            <a:glow rad="101600">
+              <a:schemeClr val="tx1">
+                <a:alpha val="60000"/>
+              </a:schemeClr>
+            </a:glow>
+            <a:reflection blurRad="6350" stA="50000" endA="300" endPos="38500" dist="50800" dir="5400000" sy="-100000" algn="bl" rotWithShape="0"/>
+            <a:softEdge rad="31750"/>
+          </a:effectLst>
+          <a:scene3d>
+            <a:camera prst="perspectiveContrastingLeftFacing"/>
+            <a:lightRig rig="threePt" dir="t"/>
+          </a:scene3d>
+        </p:spPr>
+      </p:pic>
+    </p:spTree>
+    <p:extLst>
+      <p:ext uri="{BB962C8B-B14F-4D97-AF65-F5344CB8AC3E}">
+        <p14:creationId xmlns:p14="http://schemas.microsoft.com/office/powerpoint/2010/main" val="1965103501"/>
+      </p:ext>
+    </p:extLst>
+  </p:cSld>
+  <p:clrMapOvr>
+    <a:masterClrMapping/>
+  </p:clrMapOvr>
+  <p:timing>
+    <p:tnLst>
+      <p:par>
+        <p:cTn id="1" dur="indefinite" restart="never" nodeType="tmRoot"/>
+      </p:par>
+    </p:tnLst>
+  </p:timing>
+</p:sld>
+</file>
+
+<file path=ppt/slides/slide30.xml><?xml version="1.0" encoding="utf-8"?>
 <p:sld xmlns:a="http://schemas.openxmlformats.org/drawingml/2006/main" xmlns:r="http://schemas.openxmlformats.org/officeDocument/2006/relationships" xmlns:p="http://schemas.openxmlformats.org/presentationml/2006/main">
   <p:cSld>
     <p:spTree>
@@ -18701,7 +17678,7 @@
               <a:pPr>
                 <a:defRPr/>
               </a:pPr>
-              <a:t>33</a:t>
+              <a:t>30</a:t>
             </a:fld>
             <a:endParaRPr lang="en-US" b="1" dirty="0"/>
           </a:p>
@@ -20211,7 +19188,7 @@
 </p:sld>
 </file>
 
-<file path=ppt/slides/slide34.xml><?xml version="1.0" encoding="utf-8"?>
+<file path=ppt/slides/slide31.xml><?xml version="1.0" encoding="utf-8"?>
 <p:sld xmlns:a="http://schemas.openxmlformats.org/drawingml/2006/main" xmlns:r="http://schemas.openxmlformats.org/officeDocument/2006/relationships" xmlns:p="http://schemas.openxmlformats.org/presentationml/2006/main">
   <p:cSld>
     <p:spTree>
@@ -20418,7 +19395,7 @@
               <a:pPr>
                 <a:defRPr/>
               </a:pPr>
-              <a:t>34</a:t>
+              <a:t>31</a:t>
             </a:fld>
             <a:endParaRPr lang="en-US" dirty="0"/>
           </a:p>
@@ -20490,7 +19467,7 @@
 </p:sld>
 </file>
 
-<file path=ppt/slides/slide35.xml><?xml version="1.0" encoding="utf-8"?>
+<file path=ppt/slides/slide32.xml><?xml version="1.0" encoding="utf-8"?>
 <p:sld xmlns:a="http://schemas.openxmlformats.org/drawingml/2006/main" xmlns:r="http://schemas.openxmlformats.org/officeDocument/2006/relationships" xmlns:p="http://schemas.openxmlformats.org/presentationml/2006/main">
   <p:cSld>
     <p:spTree>
@@ -20695,7 +19672,7 @@
               <a:pPr>
                 <a:defRPr/>
               </a:pPr>
-              <a:t>35</a:t>
+              <a:t>32</a:t>
             </a:fld>
             <a:endParaRPr lang="en-US" dirty="0"/>
           </a:p>
@@ -20817,7 +19794,7 @@
 </p:sld>
 </file>
 
-<file path=ppt/slides/slide36.xml><?xml version="1.0" encoding="utf-8"?>
+<file path=ppt/slides/slide33.xml><?xml version="1.0" encoding="utf-8"?>
 <p:sld xmlns:a="http://schemas.openxmlformats.org/drawingml/2006/main" xmlns:r="http://schemas.openxmlformats.org/officeDocument/2006/relationships" xmlns:p="http://schemas.openxmlformats.org/presentationml/2006/main">
   <p:cSld>
     <p:spTree>
@@ -21593,7 +20570,7 @@
 </p:sld>
 </file>
 
-<file path=ppt/slides/slide37.xml><?xml version="1.0" encoding="utf-8"?>
+<file path=ppt/slides/slide34.xml><?xml version="1.0" encoding="utf-8"?>
 <p:sld xmlns:a="http://schemas.openxmlformats.org/drawingml/2006/main" xmlns:r="http://schemas.openxmlformats.org/officeDocument/2006/relationships" xmlns:p="http://schemas.openxmlformats.org/presentationml/2006/main">
   <p:cSld>
     <p:spTree>
@@ -21754,7 +20731,7 @@
               <a:pPr>
                 <a:defRPr/>
               </a:pPr>
-              <a:t>37</a:t>
+              <a:t>34</a:t>
             </a:fld>
             <a:endParaRPr lang="en-US" dirty="0"/>
           </a:p>
@@ -21780,7 +20757,7 @@
 </p:sld>
 </file>
 
-<file path=ppt/slides/slide38.xml><?xml version="1.0" encoding="utf-8"?>
+<file path=ppt/slides/slide35.xml><?xml version="1.0" encoding="utf-8"?>
 <p:sld xmlns:a="http://schemas.openxmlformats.org/drawingml/2006/main" xmlns:r="http://schemas.openxmlformats.org/officeDocument/2006/relationships" xmlns:p="http://schemas.openxmlformats.org/presentationml/2006/main">
   <p:cSld>
     <p:spTree>
@@ -21953,7 +20930,7 @@
               <a:pPr>
                 <a:defRPr/>
               </a:pPr>
-              <a:t>38</a:t>
+              <a:t>35</a:t>
             </a:fld>
             <a:endParaRPr lang="en-US" dirty="0"/>
           </a:p>
@@ -21979,6 +20956,450 @@
 </p:sld>
 </file>
 
+<file path=ppt/slides/slide36.xml><?xml version="1.0" encoding="utf-8"?>
+<p:sld xmlns:a="http://schemas.openxmlformats.org/drawingml/2006/main" xmlns:r="http://schemas.openxmlformats.org/officeDocument/2006/relationships" xmlns:p="http://schemas.openxmlformats.org/presentationml/2006/main">
+  <p:cSld>
+    <p:spTree>
+      <p:nvGrpSpPr>
+        <p:cNvPr id="1" name=""/>
+        <p:cNvGrpSpPr/>
+        <p:nvPr/>
+      </p:nvGrpSpPr>
+      <p:grpSpPr>
+        <a:xfrm>
+          <a:off x="0" y="0"/>
+          <a:ext cx="0" cy="0"/>
+          <a:chOff x="0" y="0"/>
+          <a:chExt cx="0" cy="0"/>
+        </a:xfrm>
+      </p:grpSpPr>
+      <p:sp>
+        <p:nvSpPr>
+          <p:cNvPr id="2" name="Title 1"/>
+          <p:cNvSpPr>
+            <a:spLocks noGrp="1"/>
+          </p:cNvSpPr>
+          <p:nvPr>
+            <p:ph type="title"/>
+          </p:nvPr>
+        </p:nvSpPr>
+        <p:spPr/>
+        <p:txBody>
+          <a:bodyPr/>
+          <a:lstStyle/>
+          <a:p>
+            <a:r>
+              <a:rPr lang="en-US" dirty="0" smtClean="0"/>
+              <a:t>Exercises (3)</a:t>
+            </a:r>
+            <a:endParaRPr lang="en-US" dirty="0"/>
+          </a:p>
+        </p:txBody>
+      </p:sp>
+      <p:sp>
+        <p:nvSpPr>
+          <p:cNvPr id="3" name="Content Placeholder 2"/>
+          <p:cNvSpPr>
+            <a:spLocks noGrp="1"/>
+          </p:cNvSpPr>
+          <p:nvPr>
+            <p:ph idx="1"/>
+          </p:nvPr>
+        </p:nvSpPr>
+        <p:spPr/>
+        <p:txBody>
+          <a:bodyPr/>
+          <a:lstStyle/>
+          <a:p>
+            <a:pPr marL="347663" indent="-347663">
+              <a:lnSpc>
+                <a:spcPct val="100000"/>
+              </a:lnSpc>
+              <a:buSzPct val="100000"/>
+              <a:buFont typeface="+mj-lt"/>
+              <a:buAutoNum type="arabicPeriod" startAt="3"/>
+            </a:pPr>
+            <a:r>
+              <a:rPr lang="en-US" sz="3000" dirty="0"/>
+              <a:t>In a flight reservation system, the number of available seats in each plane model is an input. A plane may have any positive number of available seats, up to the given capacity of the plane. Using Boundary Value analysis, a list of available – seat values were generated. Which of the following lists is correct</a:t>
+            </a:r>
+            <a:r>
+              <a:rPr lang="en-US" sz="3000" dirty="0" smtClean="0"/>
+              <a:t>?</a:t>
+            </a:r>
+          </a:p>
+          <a:p>
+            <a:pPr marL="747713" lvl="1" indent="-390525">
+              <a:lnSpc>
+                <a:spcPct val="100000"/>
+              </a:lnSpc>
+              <a:buFont typeface="+mj-lt"/>
+              <a:buAutoNum type="alphaLcParenR"/>
+            </a:pPr>
+            <a:r>
+              <a:rPr lang="en-US" sz="2800" dirty="0" smtClean="0"/>
+              <a:t>1</a:t>
+            </a:r>
+            <a:r>
+              <a:rPr lang="en-US" sz="2800" dirty="0"/>
+              <a:t>, 2, capacity -1, capacity, capacity plus 1 </a:t>
+            </a:r>
+            <a:endParaRPr lang="en-US" sz="2800" dirty="0" smtClean="0"/>
+          </a:p>
+          <a:p>
+            <a:pPr marL="747713" lvl="1" indent="-390525">
+              <a:lnSpc>
+                <a:spcPct val="100000"/>
+              </a:lnSpc>
+              <a:buFont typeface="+mj-lt"/>
+              <a:buAutoNum type="alphaLcParenR"/>
+            </a:pPr>
+            <a:r>
+              <a:rPr lang="en-US" sz="2800" dirty="0" smtClean="0"/>
+              <a:t>0</a:t>
+            </a:r>
+            <a:r>
+              <a:rPr lang="en-US" sz="2800" dirty="0"/>
+              <a:t>, 1, capacity, capacity plus 1 </a:t>
+            </a:r>
+            <a:endParaRPr lang="en-US" sz="2800" dirty="0" smtClean="0"/>
+          </a:p>
+          <a:p>
+            <a:pPr marL="747713" lvl="1" indent="-390525">
+              <a:lnSpc>
+                <a:spcPct val="100000"/>
+              </a:lnSpc>
+              <a:buFont typeface="+mj-lt"/>
+              <a:buAutoNum type="alphaLcParenR"/>
+            </a:pPr>
+            <a:r>
+              <a:rPr lang="en-US" sz="2800" dirty="0" smtClean="0"/>
+              <a:t>0</a:t>
+            </a:r>
+            <a:r>
+              <a:rPr lang="en-US" sz="2800" dirty="0"/>
+              <a:t>, 1, 2, capacity plus 1, a very large number </a:t>
+            </a:r>
+            <a:endParaRPr lang="en-US" sz="2800" dirty="0" smtClean="0"/>
+          </a:p>
+          <a:p>
+            <a:pPr marL="747713" lvl="1" indent="-390525">
+              <a:lnSpc>
+                <a:spcPct val="100000"/>
+              </a:lnSpc>
+              <a:buFont typeface="+mj-lt"/>
+              <a:buAutoNum type="alphaLcParenR"/>
+            </a:pPr>
+            <a:r>
+              <a:rPr lang="en-US" sz="2800" dirty="0" smtClean="0"/>
+              <a:t>0</a:t>
+            </a:r>
+            <a:r>
+              <a:rPr lang="en-US" sz="2800" dirty="0"/>
+              <a:t>, 1, 10, 100, capacity, capacity plus one </a:t>
+            </a:r>
+          </a:p>
+        </p:txBody>
+      </p:sp>
+      <p:sp>
+        <p:nvSpPr>
+          <p:cNvPr id="4" name="Slide Number Placeholder 3"/>
+          <p:cNvSpPr>
+            <a:spLocks noGrp="1"/>
+          </p:cNvSpPr>
+          <p:nvPr>
+            <p:ph type="sldNum" sz="quarter" idx="10"/>
+          </p:nvPr>
+        </p:nvSpPr>
+        <p:spPr/>
+        <p:txBody>
+          <a:bodyPr/>
+          <a:lstStyle/>
+          <a:p>
+            <a:pPr>
+              <a:defRPr/>
+            </a:pPr>
+            <a:fld id="{58452FF4-89E3-4D1B-9927-2DBDC00E58D7}" type="slidenum">
+              <a:rPr lang="en-US" smtClean="0"/>
+              <a:pPr>
+                <a:defRPr/>
+              </a:pPr>
+              <a:t>36</a:t>
+            </a:fld>
+            <a:endParaRPr lang="en-US" dirty="0"/>
+          </a:p>
+        </p:txBody>
+      </p:sp>
+    </p:spTree>
+    <p:extLst>
+      <p:ext uri="{BB962C8B-B14F-4D97-AF65-F5344CB8AC3E}">
+        <p14:creationId xmlns:p14="http://schemas.microsoft.com/office/powerpoint/2010/main" val="3791747702"/>
+      </p:ext>
+    </p:extLst>
+  </p:cSld>
+  <p:clrMapOvr>
+    <a:masterClrMapping/>
+  </p:clrMapOvr>
+</p:sld>
+</file>
+
+<file path=ppt/slides/slide37.xml><?xml version="1.0" encoding="utf-8"?>
+<p:sld xmlns:a="http://schemas.openxmlformats.org/drawingml/2006/main" xmlns:r="http://schemas.openxmlformats.org/officeDocument/2006/relationships" xmlns:p="http://schemas.openxmlformats.org/presentationml/2006/main">
+  <p:cSld>
+    <p:spTree>
+      <p:nvGrpSpPr>
+        <p:cNvPr id="1" name=""/>
+        <p:cNvGrpSpPr/>
+        <p:nvPr/>
+      </p:nvGrpSpPr>
+      <p:grpSpPr>
+        <a:xfrm>
+          <a:off x="0" y="0"/>
+          <a:ext cx="0" cy="0"/>
+          <a:chOff x="0" y="0"/>
+          <a:chExt cx="0" cy="0"/>
+        </a:xfrm>
+      </p:grpSpPr>
+      <p:sp>
+        <p:nvSpPr>
+          <p:cNvPr id="2" name="Title 1"/>
+          <p:cNvSpPr>
+            <a:spLocks noGrp="1"/>
+          </p:cNvSpPr>
+          <p:nvPr>
+            <p:ph type="title"/>
+          </p:nvPr>
+        </p:nvSpPr>
+        <p:spPr/>
+        <p:txBody>
+          <a:bodyPr/>
+          <a:lstStyle/>
+          <a:p>
+            <a:r>
+              <a:rPr lang="en-US" dirty="0" smtClean="0"/>
+              <a:t>Exercises (4)</a:t>
+            </a:r>
+            <a:endParaRPr lang="en-US" dirty="0"/>
+          </a:p>
+        </p:txBody>
+      </p:sp>
+      <p:sp>
+        <p:nvSpPr>
+          <p:cNvPr id="3" name="Content Placeholder 2"/>
+          <p:cNvSpPr>
+            <a:spLocks noGrp="1"/>
+          </p:cNvSpPr>
+          <p:nvPr>
+            <p:ph idx="1"/>
+          </p:nvPr>
+        </p:nvSpPr>
+        <p:spPr/>
+        <p:txBody>
+          <a:bodyPr/>
+          <a:lstStyle/>
+          <a:p>
+            <a:pPr marL="347663" indent="-347663">
+              <a:lnSpc>
+                <a:spcPct val="100000"/>
+              </a:lnSpc>
+              <a:buSzPct val="100000"/>
+              <a:buFont typeface="+mj-lt"/>
+              <a:buAutoNum type="arabicPeriod" startAt="4"/>
+            </a:pPr>
+            <a:r>
+              <a:rPr lang="en-US" dirty="0" smtClean="0"/>
+              <a:t>A </a:t>
+            </a:r>
+            <a:r>
+              <a:rPr lang="en-US" dirty="0"/>
+              <a:t>thermometer measures temperature in whole degrees only. If the temperature falls below 18 degrees, the heating is switched </a:t>
+            </a:r>
+            <a:r>
+              <a:rPr lang="en-US" dirty="0" smtClean="0"/>
+              <a:t>on. </a:t>
+            </a:r>
+            <a:r>
+              <a:rPr lang="en-US" dirty="0"/>
+              <a:t>It is switched </a:t>
+            </a:r>
+            <a:r>
+              <a:rPr lang="en-US" dirty="0" smtClean="0"/>
+              <a:t>off </a:t>
+            </a:r>
+            <a:r>
+              <a:rPr lang="en-US" dirty="0"/>
+              <a:t>again when the temperature reaches 21 degrees. What are the best values in degrees to cover all equivalence partitions</a:t>
+            </a:r>
+            <a:r>
+              <a:rPr lang="en-US" dirty="0" smtClean="0"/>
+              <a:t>?</a:t>
+            </a:r>
+          </a:p>
+        </p:txBody>
+      </p:sp>
+      <p:sp>
+        <p:nvSpPr>
+          <p:cNvPr id="4" name="Slide Number Placeholder 3"/>
+          <p:cNvSpPr>
+            <a:spLocks noGrp="1"/>
+          </p:cNvSpPr>
+          <p:nvPr>
+            <p:ph type="sldNum" sz="quarter" idx="10"/>
+          </p:nvPr>
+        </p:nvSpPr>
+        <p:spPr/>
+        <p:txBody>
+          <a:bodyPr/>
+          <a:lstStyle/>
+          <a:p>
+            <a:pPr>
+              <a:defRPr/>
+            </a:pPr>
+            <a:fld id="{58452FF4-89E3-4D1B-9927-2DBDC00E58D7}" type="slidenum">
+              <a:rPr lang="en-US" smtClean="0"/>
+              <a:pPr>
+                <a:defRPr/>
+              </a:pPr>
+              <a:t>37</a:t>
+            </a:fld>
+            <a:endParaRPr lang="en-US" dirty="0"/>
+          </a:p>
+        </p:txBody>
+      </p:sp>
+    </p:spTree>
+    <p:extLst>
+      <p:ext uri="{BB962C8B-B14F-4D97-AF65-F5344CB8AC3E}">
+        <p14:creationId xmlns:p14="http://schemas.microsoft.com/office/powerpoint/2010/main" val="2316039850"/>
+      </p:ext>
+    </p:extLst>
+  </p:cSld>
+  <p:clrMapOvr>
+    <a:masterClrMapping/>
+  </p:clrMapOvr>
+</p:sld>
+</file>
+
+<file path=ppt/slides/slide38.xml><?xml version="1.0" encoding="utf-8"?>
+<p:sld xmlns:a="http://schemas.openxmlformats.org/drawingml/2006/main" xmlns:r="http://schemas.openxmlformats.org/officeDocument/2006/relationships" xmlns:p="http://schemas.openxmlformats.org/presentationml/2006/main">
+  <p:cSld>
+    <p:spTree>
+      <p:nvGrpSpPr>
+        <p:cNvPr id="1" name=""/>
+        <p:cNvGrpSpPr/>
+        <p:nvPr/>
+      </p:nvGrpSpPr>
+      <p:grpSpPr>
+        <a:xfrm>
+          <a:off x="0" y="0"/>
+          <a:ext cx="0" cy="0"/>
+          <a:chOff x="0" y="0"/>
+          <a:chExt cx="0" cy="0"/>
+        </a:xfrm>
+      </p:grpSpPr>
+      <p:sp>
+        <p:nvSpPr>
+          <p:cNvPr id="2" name="Title 1"/>
+          <p:cNvSpPr>
+            <a:spLocks noGrp="1"/>
+          </p:cNvSpPr>
+          <p:nvPr>
+            <p:ph type="title"/>
+          </p:nvPr>
+        </p:nvSpPr>
+        <p:spPr/>
+        <p:txBody>
+          <a:bodyPr/>
+          <a:lstStyle/>
+          <a:p>
+            <a:r>
+              <a:rPr lang="en-US" dirty="0" smtClean="0"/>
+              <a:t>Exercises (5)</a:t>
+            </a:r>
+            <a:endParaRPr lang="en-US" dirty="0"/>
+          </a:p>
+        </p:txBody>
+      </p:sp>
+      <p:sp>
+        <p:nvSpPr>
+          <p:cNvPr id="3" name="Content Placeholder 2"/>
+          <p:cNvSpPr>
+            <a:spLocks noGrp="1"/>
+          </p:cNvSpPr>
+          <p:nvPr>
+            <p:ph idx="1"/>
+          </p:nvPr>
+        </p:nvSpPr>
+        <p:spPr/>
+        <p:txBody>
+          <a:bodyPr/>
+          <a:lstStyle/>
+          <a:p>
+            <a:pPr marL="347663" indent="-347663">
+              <a:lnSpc>
+                <a:spcPct val="100000"/>
+              </a:lnSpc>
+              <a:buSzPct val="100000"/>
+              <a:buFont typeface="+mj-lt"/>
+              <a:buAutoNum type="arabicPeriod" startAt="5"/>
+            </a:pPr>
+            <a:r>
+              <a:rPr lang="en-US" dirty="0" smtClean="0"/>
+              <a:t>A </a:t>
+            </a:r>
+            <a:r>
+              <a:rPr lang="en-US" dirty="0"/>
+              <a:t>wholesaler sells printer cartridges. The minimum order quantity is 5. There is a 20% discount for orders of 100 or more printer cartridges. You have been asked to prepare test cases using various values for the number of printer cartridges ordered. </a:t>
+            </a:r>
+            <a:r>
+              <a:rPr lang="en-US" dirty="0" smtClean="0"/>
+              <a:t>Generate test inputs using Boundary Values Analysis.</a:t>
+            </a:r>
+            <a:endParaRPr lang="en-US" dirty="0"/>
+          </a:p>
+        </p:txBody>
+      </p:sp>
+      <p:sp>
+        <p:nvSpPr>
+          <p:cNvPr id="4" name="Slide Number Placeholder 3"/>
+          <p:cNvSpPr>
+            <a:spLocks noGrp="1"/>
+          </p:cNvSpPr>
+          <p:nvPr>
+            <p:ph type="sldNum" sz="quarter" idx="10"/>
+          </p:nvPr>
+        </p:nvSpPr>
+        <p:spPr/>
+        <p:txBody>
+          <a:bodyPr/>
+          <a:lstStyle/>
+          <a:p>
+            <a:pPr>
+              <a:defRPr/>
+            </a:pPr>
+            <a:fld id="{58452FF4-89E3-4D1B-9927-2DBDC00E58D7}" type="slidenum">
+              <a:rPr lang="en-US" smtClean="0"/>
+              <a:pPr>
+                <a:defRPr/>
+              </a:pPr>
+              <a:t>38</a:t>
+            </a:fld>
+            <a:endParaRPr lang="en-US" dirty="0"/>
+          </a:p>
+        </p:txBody>
+      </p:sp>
+    </p:spTree>
+    <p:extLst>
+      <p:ext uri="{BB962C8B-B14F-4D97-AF65-F5344CB8AC3E}">
+        <p14:creationId xmlns:p14="http://schemas.microsoft.com/office/powerpoint/2010/main" val="1638556034"/>
+      </p:ext>
+    </p:extLst>
+  </p:cSld>
+  <p:clrMapOvr>
+    <a:masterClrMapping/>
+  </p:clrMapOvr>
+</p:sld>
+</file>
+
 <file path=ppt/slides/slide39.xml><?xml version="1.0" encoding="utf-8"?>
 <p:sld xmlns:a="http://schemas.openxmlformats.org/drawingml/2006/main" xmlns:r="http://schemas.openxmlformats.org/officeDocument/2006/relationships" xmlns:p="http://schemas.openxmlformats.org/presentationml/2006/main">
   <p:cSld>
@@ -22013,7 +21434,7 @@
           <a:p>
             <a:r>
               <a:rPr lang="en-US" dirty="0" smtClean="0"/>
-              <a:t>Exercises (3)</a:t>
+              <a:t>Exercises (6)</a:t>
             </a:r>
             <a:endParaRPr lang="en-US" dirty="0"/>
           </a:p>
@@ -22040,86 +21461,45 @@
               </a:lnSpc>
               <a:buSzPct val="100000"/>
               <a:buFont typeface="+mj-lt"/>
-              <a:buAutoNum type="arabicPeriod" startAt="3"/>
+              <a:buAutoNum type="arabicPeriod" startAt="6"/>
             </a:pPr>
             <a:r>
-              <a:rPr lang="en-US" sz="3000" dirty="0"/>
-              <a:t>In a flight reservation system, the number of available seats in each plane model is an input. A plane may have any positive number of available seats, up to the given capacity of the plane. Using Boundary Value analysis, a list of available – seat values were generated. Which of the following lists is correct</a:t>
-            </a:r>
-            <a:r>
-              <a:rPr lang="en-US" sz="3000" dirty="0" smtClean="0"/>
-              <a:t>?</a:t>
-            </a:r>
-          </a:p>
-          <a:p>
-            <a:pPr marL="747713" lvl="1" indent="-390525">
+              <a:rPr lang="en-US" dirty="0"/>
+              <a:t>An input field takes </a:t>
+            </a:r>
+            <a:r>
+              <a:rPr lang="en-US" dirty="0" smtClean="0"/>
+              <a:t>data </a:t>
+            </a:r>
+            <a:r>
+              <a:rPr lang="en-US" dirty="0"/>
+              <a:t>on a person age, which should be between 1 to </a:t>
+            </a:r>
+            <a:r>
+              <a:rPr lang="en-US" dirty="0" smtClean="0"/>
+              <a:t>99. Which are the appropriate boundary values for testing the field?</a:t>
+            </a:r>
+          </a:p>
+          <a:p>
+            <a:pPr marL="346075" indent="-346075">
               <a:lnSpc>
                 <a:spcPct val="100000"/>
               </a:lnSpc>
+              <a:buSzPct val="100000"/>
               <a:buFont typeface="+mj-lt"/>
-              <a:buAutoNum type="alphaLcParenR"/>
+              <a:buAutoNum type="arabicPeriod" startAt="6"/>
             </a:pPr>
             <a:r>
-              <a:rPr lang="en-US" sz="2800" dirty="0" smtClean="0"/>
-              <a:t>1</a:t>
-            </a:r>
-            <a:r>
-              <a:rPr lang="en-US" sz="2800" dirty="0"/>
-              <a:t>, 2, capacity -1, capacity, capacity plus 1 </a:t>
-            </a:r>
-            <a:endParaRPr lang="en-US" sz="2800" dirty="0" smtClean="0"/>
-          </a:p>
-          <a:p>
-            <a:pPr marL="747713" lvl="1" indent="-390525">
-              <a:lnSpc>
-                <a:spcPct val="100000"/>
-              </a:lnSpc>
-              <a:buFont typeface="+mj-lt"/>
-              <a:buAutoNum type="alphaLcParenR"/>
-            </a:pPr>
-            <a:r>
-              <a:rPr lang="en-US" sz="2800" dirty="0" smtClean="0"/>
-              <a:t>0</a:t>
-            </a:r>
-            <a:r>
-              <a:rPr lang="en-US" sz="2800" dirty="0"/>
-              <a:t>, 1, capacity, capacity plus 1 </a:t>
-            </a:r>
-            <a:endParaRPr lang="en-US" sz="2800" dirty="0" smtClean="0"/>
-          </a:p>
-          <a:p>
-            <a:pPr marL="747713" lvl="1" indent="-390525">
-              <a:lnSpc>
-                <a:spcPct val="100000"/>
-              </a:lnSpc>
-              <a:buFont typeface="+mj-lt"/>
-              <a:buAutoNum type="alphaLcParenR"/>
-            </a:pPr>
-            <a:r>
-              <a:rPr lang="en-US" sz="2800" dirty="0" smtClean="0"/>
-              <a:t>0</a:t>
-            </a:r>
-            <a:r>
-              <a:rPr lang="en-US" sz="2800" dirty="0"/>
-              <a:t>, 1, 2, capacity plus 1, a very large number </a:t>
-            </a:r>
-            <a:endParaRPr lang="en-US" sz="2800" dirty="0" smtClean="0"/>
-          </a:p>
-          <a:p>
-            <a:pPr marL="747713" lvl="1" indent="-390525">
-              <a:lnSpc>
-                <a:spcPct val="100000"/>
-              </a:lnSpc>
-              <a:buFont typeface="+mj-lt"/>
-              <a:buAutoNum type="alphaLcParenR"/>
-            </a:pPr>
-            <a:r>
-              <a:rPr lang="en-US" sz="2800" dirty="0" smtClean="0"/>
-              <a:t>0</a:t>
-            </a:r>
-            <a:r>
-              <a:rPr lang="en-US" sz="2800" dirty="0"/>
-              <a:t>, 1, 10, 100, capacity, capacity plus one </a:t>
+              <a:rPr lang="en-US" dirty="0"/>
+              <a:t>An input field takes the year of birth between 1900 and </a:t>
+            </a:r>
+            <a:r>
+              <a:rPr lang="en-US" dirty="0" smtClean="0"/>
+              <a:t>2011. </a:t>
+            </a:r>
+            <a:r>
+              <a:rPr lang="en-US" dirty="0"/>
+              <a:t>Which are the appropriate boundary values for testing the field?</a:t>
             </a:r>
           </a:p>
         </p:txBody>
@@ -22156,7 +21536,7 @@
     </p:spTree>
     <p:extLst>
       <p:ext uri="{BB962C8B-B14F-4D97-AF65-F5344CB8AC3E}">
-        <p14:creationId xmlns:p14="http://schemas.microsoft.com/office/powerpoint/2010/main" val="3791747702"/>
+        <p14:creationId xmlns:p14="http://schemas.microsoft.com/office/powerpoint/2010/main" val="1156417731"/>
       </p:ext>
     </p:extLst>
   </p:cSld>
@@ -22466,7 +21846,7 @@
           <a:p>
             <a:r>
               <a:rPr lang="en-US" dirty="0" smtClean="0"/>
-              <a:t>Exercises (4)</a:t>
+              <a:t>Exercises (7)</a:t>
             </a:r>
             <a:endParaRPr lang="en-US" dirty="0"/>
           </a:p>
@@ -22493,35 +21873,19 @@
               </a:lnSpc>
               <a:buSzPct val="100000"/>
               <a:buFont typeface="+mj-lt"/>
-              <a:buAutoNum type="arabicPeriod" startAt="4"/>
+              <a:buAutoNum type="arabicPeriod" startAt="8"/>
             </a:pPr>
             <a:r>
               <a:rPr lang="en-US" dirty="0" smtClean="0"/>
-              <a:t>A </a:t>
+              <a:t>In </a:t>
             </a:r>
             <a:r>
               <a:rPr lang="en-US" dirty="0"/>
-              <a:t>thermometer measures temperature in whole degrees only. If the temperature falls below 18 degrees, the heating is switched </a:t>
+              <a:t>a system designed to work out the tax to be paid: An employee has $4000 of salary tax free. The next $1500 is taxed at 10% The next $28000 is taxed at 22% Any further amount is taxed at 40</a:t>
             </a:r>
             <a:r>
               <a:rPr lang="en-US" dirty="0" smtClean="0"/>
-              <a:t>on. </a:t>
-            </a:r>
-            <a:r>
-              <a:rPr lang="en-US" dirty="0"/>
-              <a:t>It is switched </a:t>
-            </a:r>
-            <a:r>
-              <a:rPr lang="en-US" dirty="0" smtClean="0"/>
-              <a:t>off </a:t>
-            </a:r>
-            <a:r>
-              <a:rPr lang="en-US" dirty="0"/>
-              <a:t>again when the temperature reaches 21 degrees. What are the best values in degrees to cover all equivalence partitions</a:t>
-            </a:r>
-            <a:r>
-              <a:rPr lang="en-US" dirty="0" smtClean="0"/>
-              <a:t>?</a:t>
+              <a:t>%. Define the boundary values for testing the system.</a:t>
             </a:r>
           </a:p>
         </p:txBody>
@@ -22558,7 +21922,7 @@
     </p:spTree>
     <p:extLst>
       <p:ext uri="{BB962C8B-B14F-4D97-AF65-F5344CB8AC3E}">
-        <p14:creationId xmlns:p14="http://schemas.microsoft.com/office/powerpoint/2010/main" val="2316039850"/>
+        <p14:creationId xmlns:p14="http://schemas.microsoft.com/office/powerpoint/2010/main" val="2490827844"/>
       </p:ext>
     </p:extLst>
   </p:cSld>
@@ -22602,7 +21966,7 @@
           <a:p>
             <a:r>
               <a:rPr lang="en-US" dirty="0" smtClean="0"/>
-              <a:t>Exercises (5)</a:t>
+              <a:t>Exercises (8)</a:t>
             </a:r>
             <a:endParaRPr lang="en-US" dirty="0"/>
           </a:p>
@@ -22629,21 +21993,72 @@
               </a:lnSpc>
               <a:buSzPct val="100000"/>
               <a:buFont typeface="+mj-lt"/>
-              <a:buAutoNum type="arabicPeriod" startAt="5"/>
+              <a:buAutoNum type="arabicPeriod" startAt="9"/>
             </a:pPr>
             <a:r>
               <a:rPr lang="en-US" dirty="0" smtClean="0"/>
-              <a:t>A </a:t>
-            </a:r>
+              <a:t>Implement BVA for the following examples:</a:t>
+            </a:r>
+          </a:p>
+          <a:p>
+            <a:pPr lvl="1">
+              <a:lnSpc>
+                <a:spcPct val="100000"/>
+              </a:lnSpc>
+            </a:pPr>
             <a:r>
               <a:rPr lang="en-US" dirty="0"/>
-              <a:t>wholesaler sells printer cartridges. The minimum order quantity is 5. There is a 20% discount for orders of 100 or more printer cartridges. You have been asked to prepare test cases using various values for the number of printer cartridges ordered. </a:t>
+              <a:t>T</a:t>
             </a:r>
             <a:r>
               <a:rPr lang="en-US" dirty="0" smtClean="0"/>
-              <a:t>Generate test inputs using Boundary Values Analysis.</a:t>
-            </a:r>
-            <a:endParaRPr lang="en-US" dirty="0"/>
+              <a:t>ext entry field with allowed limits from 1 to 100 symbols</a:t>
+            </a:r>
+          </a:p>
+          <a:p>
+            <a:pPr lvl="1">
+              <a:lnSpc>
+                <a:spcPct val="100000"/>
+              </a:lnSpc>
+            </a:pPr>
+            <a:r>
+              <a:rPr lang="en-US" dirty="0"/>
+              <a:t>I</a:t>
+            </a:r>
+            <a:r>
+              <a:rPr lang="en-US" dirty="0" smtClean="0"/>
+              <a:t>nteger number entry field with value limit from 0 to 150</a:t>
+            </a:r>
+          </a:p>
+          <a:p>
+            <a:pPr lvl="1">
+              <a:lnSpc>
+                <a:spcPct val="100000"/>
+              </a:lnSpc>
+            </a:pPr>
+            <a:r>
+              <a:rPr lang="en-US" dirty="0"/>
+              <a:t>N</a:t>
+            </a:r>
+            <a:r>
+              <a:rPr lang="en-US" dirty="0" smtClean="0"/>
+              <a:t>umber entry field of type float with limits from 0.0 to 10.0</a:t>
+            </a:r>
+          </a:p>
+          <a:p>
+            <a:pPr lvl="1">
+              <a:lnSpc>
+                <a:spcPct val="100000"/>
+              </a:lnSpc>
+            </a:pPr>
+            <a:r>
+              <a:rPr lang="en-US" dirty="0"/>
+              <a:t>S</a:t>
+            </a:r>
+            <a:r>
+              <a:rPr lang="en-US" dirty="0" smtClean="0"/>
+              <a:t>ize of a file name from 1 up to 40 symbols</a:t>
+            </a:r>
           </a:p>
         </p:txBody>
       </p:sp>
@@ -22679,13 +22094,20 @@
     </p:spTree>
     <p:extLst>
       <p:ext uri="{BB962C8B-B14F-4D97-AF65-F5344CB8AC3E}">
-        <p14:creationId xmlns:p14="http://schemas.microsoft.com/office/powerpoint/2010/main" val="1638556034"/>
+        <p14:creationId xmlns:p14="http://schemas.microsoft.com/office/powerpoint/2010/main" val="2970465468"/>
       </p:ext>
     </p:extLst>
   </p:cSld>
   <p:clrMapOvr>
     <a:masterClrMapping/>
   </p:clrMapOvr>
+  <p:timing>
+    <p:tnLst>
+      <p:par>
+        <p:cTn id="1" dur="indefinite" restart="never" nodeType="tmRoot"/>
+      </p:par>
+    </p:tnLst>
+  </p:timing>
 </p:sld>
 </file>
 
@@ -22723,7 +22145,7 @@
           <a:p>
             <a:r>
               <a:rPr lang="en-US" dirty="0" smtClean="0"/>
-              <a:t>Exercises (6)</a:t>
+              <a:t>Exercises (9)</a:t>
             </a:r>
             <a:endParaRPr lang="en-US" dirty="0"/>
           </a:p>
@@ -22744,52 +22166,21 @@
           <a:bodyPr/>
           <a:lstStyle/>
           <a:p>
-            <a:pPr marL="347663" indent="-347663">
+            <a:pPr marL="514350" indent="-514350">
               <a:lnSpc>
                 <a:spcPct val="100000"/>
               </a:lnSpc>
               <a:buSzPct val="100000"/>
               <a:buFont typeface="+mj-lt"/>
-              <a:buAutoNum type="arabicPeriod" startAt="6"/>
+              <a:buAutoNum type="arabicPeriod" startAt="10"/>
             </a:pPr>
             <a:r>
-              <a:rPr lang="en-US" dirty="0"/>
-              <a:t>An input field takes </a:t>
-            </a:r>
-            <a:r>
               <a:rPr lang="en-US" dirty="0" smtClean="0"/>
-              <a:t>data </a:t>
-            </a:r>
-            <a:r>
-              <a:rPr lang="en-US" dirty="0"/>
-              <a:t>on a person age, which should be between 1 to </a:t>
-            </a:r>
-            <a:r>
-              <a:rPr lang="en-US" dirty="0" smtClean="0"/>
-              <a:t>99. Which are the appropriate boundary values for testing the field?</a:t>
-            </a:r>
-          </a:p>
-          <a:p>
-            <a:pPr marL="346075" indent="-346075">
-              <a:lnSpc>
-                <a:spcPct val="100000"/>
-              </a:lnSpc>
-              <a:buSzPct val="100000"/>
-              <a:buFont typeface="+mj-lt"/>
-              <a:buAutoNum type="arabicPeriod" startAt="6"/>
-            </a:pPr>
-            <a:r>
-              <a:rPr lang="en-US" dirty="0"/>
-              <a:t>An input field takes the year of birth between 1900 and </a:t>
-            </a:r>
-            <a:r>
-              <a:rPr lang="en-US" dirty="0" smtClean="0"/>
-              <a:t>2011. </a:t>
-            </a:r>
-            <a:r>
-              <a:rPr lang="en-US" dirty="0"/>
-              <a:t>Which are the appropriate boundary values for testing the field?</a:t>
-            </a:r>
+              <a:t>Implement BVA for the MS Word Insert Table dialog box. Look for information about the minimum and maximum values allowed.</a:t>
+            </a:r>
+          </a:p>
+          <a:p>
+            <a:endParaRPr lang="en-US" dirty="0"/>
           </a:p>
         </p:txBody>
       </p:sp>
@@ -22817,420 +22208,6 @@
                 <a:defRPr/>
               </a:pPr>
               <a:t>42</a:t>
-            </a:fld>
-            <a:endParaRPr lang="en-US" dirty="0"/>
-          </a:p>
-        </p:txBody>
-      </p:sp>
-    </p:spTree>
-    <p:extLst>
-      <p:ext uri="{BB962C8B-B14F-4D97-AF65-F5344CB8AC3E}">
-        <p14:creationId xmlns:p14="http://schemas.microsoft.com/office/powerpoint/2010/main" val="1156417731"/>
-      </p:ext>
-    </p:extLst>
-  </p:cSld>
-  <p:clrMapOvr>
-    <a:masterClrMapping/>
-  </p:clrMapOvr>
-</p:sld>
-</file>
-
-<file path=ppt/slides/slide43.xml><?xml version="1.0" encoding="utf-8"?>
-<p:sld xmlns:a="http://schemas.openxmlformats.org/drawingml/2006/main" xmlns:r="http://schemas.openxmlformats.org/officeDocument/2006/relationships" xmlns:p="http://schemas.openxmlformats.org/presentationml/2006/main">
-  <p:cSld>
-    <p:spTree>
-      <p:nvGrpSpPr>
-        <p:cNvPr id="1" name=""/>
-        <p:cNvGrpSpPr/>
-        <p:nvPr/>
-      </p:nvGrpSpPr>
-      <p:grpSpPr>
-        <a:xfrm>
-          <a:off x="0" y="0"/>
-          <a:ext cx="0" cy="0"/>
-          <a:chOff x="0" y="0"/>
-          <a:chExt cx="0" cy="0"/>
-        </a:xfrm>
-      </p:grpSpPr>
-      <p:sp>
-        <p:nvSpPr>
-          <p:cNvPr id="2" name="Title 1"/>
-          <p:cNvSpPr>
-            <a:spLocks noGrp="1"/>
-          </p:cNvSpPr>
-          <p:nvPr>
-            <p:ph type="title"/>
-          </p:nvPr>
-        </p:nvSpPr>
-        <p:spPr/>
-        <p:txBody>
-          <a:bodyPr/>
-          <a:lstStyle/>
-          <a:p>
-            <a:r>
-              <a:rPr lang="en-US" dirty="0" smtClean="0"/>
-              <a:t>Exercises (7)</a:t>
-            </a:r>
-            <a:endParaRPr lang="en-US" dirty="0"/>
-          </a:p>
-        </p:txBody>
-      </p:sp>
-      <p:sp>
-        <p:nvSpPr>
-          <p:cNvPr id="3" name="Content Placeholder 2"/>
-          <p:cNvSpPr>
-            <a:spLocks noGrp="1"/>
-          </p:cNvSpPr>
-          <p:nvPr>
-            <p:ph idx="1"/>
-          </p:nvPr>
-        </p:nvSpPr>
-        <p:spPr/>
-        <p:txBody>
-          <a:bodyPr/>
-          <a:lstStyle/>
-          <a:p>
-            <a:pPr marL="347663" indent="-347663">
-              <a:lnSpc>
-                <a:spcPct val="100000"/>
-              </a:lnSpc>
-              <a:buSzPct val="100000"/>
-              <a:buFont typeface="+mj-lt"/>
-              <a:buAutoNum type="arabicPeriod" startAt="8"/>
-            </a:pPr>
-            <a:r>
-              <a:rPr lang="en-US" dirty="0" smtClean="0"/>
-              <a:t>In </a:t>
-            </a:r>
-            <a:r>
-              <a:rPr lang="en-US" dirty="0"/>
-              <a:t>a system designed to work out the tax to be paid: An employee has $4000 of salary tax free. The next $1500 is taxed at 10% The next $28000 is taxed at 22% Any further amount is taxed at 40</a:t>
-            </a:r>
-            <a:r>
-              <a:rPr lang="en-US" dirty="0" smtClean="0"/>
-              <a:t>%. Define the boundary values for testing the system.</a:t>
-            </a:r>
-          </a:p>
-        </p:txBody>
-      </p:sp>
-      <p:sp>
-        <p:nvSpPr>
-          <p:cNvPr id="4" name="Slide Number Placeholder 3"/>
-          <p:cNvSpPr>
-            <a:spLocks noGrp="1"/>
-          </p:cNvSpPr>
-          <p:nvPr>
-            <p:ph type="sldNum" sz="quarter" idx="10"/>
-          </p:nvPr>
-        </p:nvSpPr>
-        <p:spPr/>
-        <p:txBody>
-          <a:bodyPr/>
-          <a:lstStyle/>
-          <a:p>
-            <a:pPr>
-              <a:defRPr/>
-            </a:pPr>
-            <a:fld id="{58452FF4-89E3-4D1B-9927-2DBDC00E58D7}" type="slidenum">
-              <a:rPr lang="en-US" smtClean="0"/>
-              <a:pPr>
-                <a:defRPr/>
-              </a:pPr>
-              <a:t>43</a:t>
-            </a:fld>
-            <a:endParaRPr lang="en-US" dirty="0"/>
-          </a:p>
-        </p:txBody>
-      </p:sp>
-    </p:spTree>
-    <p:extLst>
-      <p:ext uri="{BB962C8B-B14F-4D97-AF65-F5344CB8AC3E}">
-        <p14:creationId xmlns:p14="http://schemas.microsoft.com/office/powerpoint/2010/main" val="2490827844"/>
-      </p:ext>
-    </p:extLst>
-  </p:cSld>
-  <p:clrMapOvr>
-    <a:masterClrMapping/>
-  </p:clrMapOvr>
-</p:sld>
-</file>
-
-<file path=ppt/slides/slide44.xml><?xml version="1.0" encoding="utf-8"?>
-<p:sld xmlns:a="http://schemas.openxmlformats.org/drawingml/2006/main" xmlns:r="http://schemas.openxmlformats.org/officeDocument/2006/relationships" xmlns:p="http://schemas.openxmlformats.org/presentationml/2006/main">
-  <p:cSld>
-    <p:spTree>
-      <p:nvGrpSpPr>
-        <p:cNvPr id="1" name=""/>
-        <p:cNvGrpSpPr/>
-        <p:nvPr/>
-      </p:nvGrpSpPr>
-      <p:grpSpPr>
-        <a:xfrm>
-          <a:off x="0" y="0"/>
-          <a:ext cx="0" cy="0"/>
-          <a:chOff x="0" y="0"/>
-          <a:chExt cx="0" cy="0"/>
-        </a:xfrm>
-      </p:grpSpPr>
-      <p:sp>
-        <p:nvSpPr>
-          <p:cNvPr id="2" name="Title 1"/>
-          <p:cNvSpPr>
-            <a:spLocks noGrp="1"/>
-          </p:cNvSpPr>
-          <p:nvPr>
-            <p:ph type="title"/>
-          </p:nvPr>
-        </p:nvSpPr>
-        <p:spPr/>
-        <p:txBody>
-          <a:bodyPr/>
-          <a:lstStyle/>
-          <a:p>
-            <a:r>
-              <a:rPr lang="en-US" dirty="0" smtClean="0"/>
-              <a:t>Exercises (8)</a:t>
-            </a:r>
-            <a:endParaRPr lang="en-US" dirty="0"/>
-          </a:p>
-        </p:txBody>
-      </p:sp>
-      <p:sp>
-        <p:nvSpPr>
-          <p:cNvPr id="3" name="Content Placeholder 2"/>
-          <p:cNvSpPr>
-            <a:spLocks noGrp="1"/>
-          </p:cNvSpPr>
-          <p:nvPr>
-            <p:ph idx="1"/>
-          </p:nvPr>
-        </p:nvSpPr>
-        <p:spPr/>
-        <p:txBody>
-          <a:bodyPr/>
-          <a:lstStyle/>
-          <a:p>
-            <a:pPr marL="347663" indent="-347663">
-              <a:lnSpc>
-                <a:spcPct val="100000"/>
-              </a:lnSpc>
-              <a:buSzPct val="100000"/>
-              <a:buFont typeface="+mj-lt"/>
-              <a:buAutoNum type="arabicPeriod" startAt="9"/>
-            </a:pPr>
-            <a:r>
-              <a:rPr lang="en-US" dirty="0" smtClean="0"/>
-              <a:t>Implement BVA for the following examples:</a:t>
-            </a:r>
-          </a:p>
-          <a:p>
-            <a:pPr lvl="1">
-              <a:lnSpc>
-                <a:spcPct val="100000"/>
-              </a:lnSpc>
-            </a:pPr>
-            <a:r>
-              <a:rPr lang="en-US" dirty="0"/>
-              <a:t>T</a:t>
-            </a:r>
-            <a:r>
-              <a:rPr lang="en-US" dirty="0" smtClean="0"/>
-              <a:t>ext entry field with allowed limits from 1 to 100 symbols</a:t>
-            </a:r>
-          </a:p>
-          <a:p>
-            <a:pPr lvl="1">
-              <a:lnSpc>
-                <a:spcPct val="100000"/>
-              </a:lnSpc>
-            </a:pPr>
-            <a:r>
-              <a:rPr lang="en-US" dirty="0"/>
-              <a:t>I</a:t>
-            </a:r>
-            <a:r>
-              <a:rPr lang="en-US" dirty="0" smtClean="0"/>
-              <a:t>nteger number entry field with value limit from 0 to 150</a:t>
-            </a:r>
-          </a:p>
-          <a:p>
-            <a:pPr lvl="1">
-              <a:lnSpc>
-                <a:spcPct val="100000"/>
-              </a:lnSpc>
-            </a:pPr>
-            <a:r>
-              <a:rPr lang="en-US" dirty="0"/>
-              <a:t>N</a:t>
-            </a:r>
-            <a:r>
-              <a:rPr lang="en-US" dirty="0" smtClean="0"/>
-              <a:t>umber entry field of type float with limits from 0.0 to 10.0</a:t>
-            </a:r>
-          </a:p>
-          <a:p>
-            <a:pPr lvl="1">
-              <a:lnSpc>
-                <a:spcPct val="100000"/>
-              </a:lnSpc>
-            </a:pPr>
-            <a:r>
-              <a:rPr lang="en-US" dirty="0"/>
-              <a:t>S</a:t>
-            </a:r>
-            <a:r>
-              <a:rPr lang="en-US" dirty="0" smtClean="0"/>
-              <a:t>ize of a file name from 1 up to 40 symbols</a:t>
-            </a:r>
-          </a:p>
-        </p:txBody>
-      </p:sp>
-      <p:sp>
-        <p:nvSpPr>
-          <p:cNvPr id="4" name="Slide Number Placeholder 3"/>
-          <p:cNvSpPr>
-            <a:spLocks noGrp="1"/>
-          </p:cNvSpPr>
-          <p:nvPr>
-            <p:ph type="sldNum" sz="quarter" idx="10"/>
-          </p:nvPr>
-        </p:nvSpPr>
-        <p:spPr/>
-        <p:txBody>
-          <a:bodyPr/>
-          <a:lstStyle/>
-          <a:p>
-            <a:pPr>
-              <a:defRPr/>
-            </a:pPr>
-            <a:fld id="{58452FF4-89E3-4D1B-9927-2DBDC00E58D7}" type="slidenum">
-              <a:rPr lang="en-US" smtClean="0"/>
-              <a:pPr>
-                <a:defRPr/>
-              </a:pPr>
-              <a:t>44</a:t>
-            </a:fld>
-            <a:endParaRPr lang="en-US" dirty="0"/>
-          </a:p>
-        </p:txBody>
-      </p:sp>
-    </p:spTree>
-    <p:extLst>
-      <p:ext uri="{BB962C8B-B14F-4D97-AF65-F5344CB8AC3E}">
-        <p14:creationId xmlns:p14="http://schemas.microsoft.com/office/powerpoint/2010/main" val="2970465468"/>
-      </p:ext>
-    </p:extLst>
-  </p:cSld>
-  <p:clrMapOvr>
-    <a:masterClrMapping/>
-  </p:clrMapOvr>
-  <p:timing>
-    <p:tnLst>
-      <p:par>
-        <p:cTn id="1" dur="indefinite" restart="never" nodeType="tmRoot"/>
-      </p:par>
-    </p:tnLst>
-  </p:timing>
-</p:sld>
-</file>
-
-<file path=ppt/slides/slide45.xml><?xml version="1.0" encoding="utf-8"?>
-<p:sld xmlns:a="http://schemas.openxmlformats.org/drawingml/2006/main" xmlns:r="http://schemas.openxmlformats.org/officeDocument/2006/relationships" xmlns:p="http://schemas.openxmlformats.org/presentationml/2006/main">
-  <p:cSld>
-    <p:spTree>
-      <p:nvGrpSpPr>
-        <p:cNvPr id="1" name=""/>
-        <p:cNvGrpSpPr/>
-        <p:nvPr/>
-      </p:nvGrpSpPr>
-      <p:grpSpPr>
-        <a:xfrm>
-          <a:off x="0" y="0"/>
-          <a:ext cx="0" cy="0"/>
-          <a:chOff x="0" y="0"/>
-          <a:chExt cx="0" cy="0"/>
-        </a:xfrm>
-      </p:grpSpPr>
-      <p:sp>
-        <p:nvSpPr>
-          <p:cNvPr id="2" name="Title 1"/>
-          <p:cNvSpPr>
-            <a:spLocks noGrp="1"/>
-          </p:cNvSpPr>
-          <p:nvPr>
-            <p:ph type="title"/>
-          </p:nvPr>
-        </p:nvSpPr>
-        <p:spPr/>
-        <p:txBody>
-          <a:bodyPr/>
-          <a:lstStyle/>
-          <a:p>
-            <a:r>
-              <a:rPr lang="en-US" dirty="0" smtClean="0"/>
-              <a:t>Exercises (9)</a:t>
-            </a:r>
-            <a:endParaRPr lang="en-US" dirty="0"/>
-          </a:p>
-        </p:txBody>
-      </p:sp>
-      <p:sp>
-        <p:nvSpPr>
-          <p:cNvPr id="3" name="Content Placeholder 2"/>
-          <p:cNvSpPr>
-            <a:spLocks noGrp="1"/>
-          </p:cNvSpPr>
-          <p:nvPr>
-            <p:ph idx="1"/>
-          </p:nvPr>
-        </p:nvSpPr>
-        <p:spPr/>
-        <p:txBody>
-          <a:bodyPr/>
-          <a:lstStyle/>
-          <a:p>
-            <a:pPr marL="514350" indent="-514350">
-              <a:lnSpc>
-                <a:spcPct val="100000"/>
-              </a:lnSpc>
-              <a:buSzPct val="100000"/>
-              <a:buFont typeface="+mj-lt"/>
-              <a:buAutoNum type="arabicPeriod" startAt="10"/>
-            </a:pPr>
-            <a:r>
-              <a:rPr lang="en-US" dirty="0" smtClean="0"/>
-              <a:t>Implement BVA for the MS Word Insert Table dialog box. Look for information about the minimum and maximum values allowed.</a:t>
-            </a:r>
-          </a:p>
-          <a:p>
-            <a:endParaRPr lang="en-US" dirty="0"/>
-          </a:p>
-        </p:txBody>
-      </p:sp>
-      <p:sp>
-        <p:nvSpPr>
-          <p:cNvPr id="4" name="Slide Number Placeholder 3"/>
-          <p:cNvSpPr>
-            <a:spLocks noGrp="1"/>
-          </p:cNvSpPr>
-          <p:nvPr>
-            <p:ph type="sldNum" sz="quarter" idx="10"/>
-          </p:nvPr>
-        </p:nvSpPr>
-        <p:spPr/>
-        <p:txBody>
-          <a:bodyPr/>
-          <a:lstStyle/>
-          <a:p>
-            <a:pPr>
-              <a:defRPr/>
-            </a:pPr>
-            <a:fld id="{58452FF4-89E3-4D1B-9927-2DBDC00E58D7}" type="slidenum">
-              <a:rPr lang="en-US" smtClean="0"/>
-              <a:pPr>
-                <a:defRPr/>
-              </a:pPr>
-              <a:t>45</a:t>
             </a:fld>
             <a:endParaRPr lang="en-US" dirty="0"/>
           </a:p>
@@ -23288,7 +22265,7 @@
 </p:sld>
 </file>
 
-<file path=ppt/slides/slide46.xml><?xml version="1.0" encoding="utf-8"?>
+<file path=ppt/slides/slide43.xml><?xml version="1.0" encoding="utf-8"?>
 <p:sld xmlns:a="http://schemas.openxmlformats.org/drawingml/2006/main" xmlns:r="http://schemas.openxmlformats.org/officeDocument/2006/relationships" xmlns:p="http://schemas.openxmlformats.org/presentationml/2006/main">
   <p:cSld>
     <p:spTree>
@@ -23467,7 +22444,7 @@
               <a:pPr>
                 <a:defRPr/>
               </a:pPr>
-              <a:t>46</a:t>
+              <a:t>43</a:t>
             </a:fld>
             <a:endParaRPr lang="en-US" dirty="0"/>
           </a:p>
@@ -23494,7 +22471,7 @@
 </p:sld>
 </file>
 
-<file path=ppt/slides/slide47.xml><?xml version="1.0" encoding="utf-8"?>
+<file path=ppt/slides/slide44.xml><?xml version="1.0" encoding="utf-8"?>
 <p:sld xmlns:a="http://schemas.openxmlformats.org/drawingml/2006/main" xmlns:r="http://schemas.openxmlformats.org/officeDocument/2006/relationships" xmlns:p="http://schemas.openxmlformats.org/presentationml/2006/main">
   <p:cSld>
     <p:spTree>
@@ -23632,7 +22609,7 @@
               <a:pPr>
                 <a:defRPr/>
               </a:pPr>
-              <a:t>47</a:t>
+              <a:t>44</a:t>
             </a:fld>
             <a:endParaRPr lang="en-US" dirty="0"/>
           </a:p>
